--- a/KosmosV4System/doc/pictures/V4_Batterie/CablageCaissonBatterie.pptx
+++ b/KosmosV4System/doc/pictures/V4_Batterie/CablageCaissonBatterie.pptx
@@ -105,6 +105,11 @@
       </a:defRPr>
     </a:lvl9pPr>
   </p:defaultTextStyle>
+  <p:extLst>
+    <p:ext uri="{EFAFB233-063F-42B5-8137-9DF3F51BA10A}">
+      <p15:sldGuideLst xmlns:p15="http://schemas.microsoft.com/office/powerpoint/2012/main"/>
+    </p:ext>
+  </p:extLst>
 </p:presentation>
 </file>
 
@@ -255,7 +260,7 @@
           <a:p>
             <a:fld id="{CBE28E84-A7D2-4159-A0E1-378114FD4EAF}" type="datetimeFigureOut">
               <a:rPr lang="fr-FR" smtClean="0"/>
-              <a:t>18/12/2025</a:t>
+              <a:t>23/12/2025</a:t>
             </a:fld>
             <a:endParaRPr lang="fr-FR"/>
           </a:p>
@@ -453,7 +458,7 @@
           <a:p>
             <a:fld id="{CBE28E84-A7D2-4159-A0E1-378114FD4EAF}" type="datetimeFigureOut">
               <a:rPr lang="fr-FR" smtClean="0"/>
-              <a:t>18/12/2025</a:t>
+              <a:t>23/12/2025</a:t>
             </a:fld>
             <a:endParaRPr lang="fr-FR"/>
           </a:p>
@@ -661,7 +666,7 @@
           <a:p>
             <a:fld id="{CBE28E84-A7D2-4159-A0E1-378114FD4EAF}" type="datetimeFigureOut">
               <a:rPr lang="fr-FR" smtClean="0"/>
-              <a:t>18/12/2025</a:t>
+              <a:t>23/12/2025</a:t>
             </a:fld>
             <a:endParaRPr lang="fr-FR"/>
           </a:p>
@@ -859,7 +864,7 @@
           <a:p>
             <a:fld id="{CBE28E84-A7D2-4159-A0E1-378114FD4EAF}" type="datetimeFigureOut">
               <a:rPr lang="fr-FR" smtClean="0"/>
-              <a:t>18/12/2025</a:t>
+              <a:t>23/12/2025</a:t>
             </a:fld>
             <a:endParaRPr lang="fr-FR"/>
           </a:p>
@@ -1134,7 +1139,7 @@
           <a:p>
             <a:fld id="{CBE28E84-A7D2-4159-A0E1-378114FD4EAF}" type="datetimeFigureOut">
               <a:rPr lang="fr-FR" smtClean="0"/>
-              <a:t>18/12/2025</a:t>
+              <a:t>23/12/2025</a:t>
             </a:fld>
             <a:endParaRPr lang="fr-FR"/>
           </a:p>
@@ -1399,7 +1404,7 @@
           <a:p>
             <a:fld id="{CBE28E84-A7D2-4159-A0E1-378114FD4EAF}" type="datetimeFigureOut">
               <a:rPr lang="fr-FR" smtClean="0"/>
-              <a:t>18/12/2025</a:t>
+              <a:t>23/12/2025</a:t>
             </a:fld>
             <a:endParaRPr lang="fr-FR"/>
           </a:p>
@@ -1811,7 +1816,7 @@
           <a:p>
             <a:fld id="{CBE28E84-A7D2-4159-A0E1-378114FD4EAF}" type="datetimeFigureOut">
               <a:rPr lang="fr-FR" smtClean="0"/>
-              <a:t>18/12/2025</a:t>
+              <a:t>23/12/2025</a:t>
             </a:fld>
             <a:endParaRPr lang="fr-FR"/>
           </a:p>
@@ -1952,7 +1957,7 @@
           <a:p>
             <a:fld id="{CBE28E84-A7D2-4159-A0E1-378114FD4EAF}" type="datetimeFigureOut">
               <a:rPr lang="fr-FR" smtClean="0"/>
-              <a:t>18/12/2025</a:t>
+              <a:t>23/12/2025</a:t>
             </a:fld>
             <a:endParaRPr lang="fr-FR"/>
           </a:p>
@@ -2065,7 +2070,7 @@
           <a:p>
             <a:fld id="{CBE28E84-A7D2-4159-A0E1-378114FD4EAF}" type="datetimeFigureOut">
               <a:rPr lang="fr-FR" smtClean="0"/>
-              <a:t>18/12/2025</a:t>
+              <a:t>23/12/2025</a:t>
             </a:fld>
             <a:endParaRPr lang="fr-FR"/>
           </a:p>
@@ -2376,7 +2381,7 @@
           <a:p>
             <a:fld id="{CBE28E84-A7D2-4159-A0E1-378114FD4EAF}" type="datetimeFigureOut">
               <a:rPr lang="fr-FR" smtClean="0"/>
-              <a:t>18/12/2025</a:t>
+              <a:t>23/12/2025</a:t>
             </a:fld>
             <a:endParaRPr lang="fr-FR"/>
           </a:p>
@@ -2664,7 +2669,7 @@
           <a:p>
             <a:fld id="{CBE28E84-A7D2-4159-A0E1-378114FD4EAF}" type="datetimeFigureOut">
               <a:rPr lang="fr-FR" smtClean="0"/>
-              <a:t>18/12/2025</a:t>
+              <a:t>23/12/2025</a:t>
             </a:fld>
             <a:endParaRPr lang="fr-FR"/>
           </a:p>
@@ -2905,7 +2910,7 @@
           <a:p>
             <a:fld id="{CBE28E84-A7D2-4159-A0E1-378114FD4EAF}" type="datetimeFigureOut">
               <a:rPr lang="fr-FR" smtClean="0"/>
-              <a:t>18/12/2025</a:t>
+              <a:t>23/12/2025</a:t>
             </a:fld>
             <a:endParaRPr lang="fr-FR"/>
           </a:p>
@@ -5547,7 +5552,7 @@
         </p:nvCxnSpPr>
         <p:spPr>
           <a:xfrm flipH="1">
-            <a:off x="1474047" y="5119244"/>
+            <a:off x="2763544" y="6041839"/>
             <a:ext cx="1706880" cy="0"/>
           </a:xfrm>
           <a:prstGeom prst="line">
@@ -5590,7 +5595,7 @@
         </p:nvCxnSpPr>
         <p:spPr>
           <a:xfrm flipH="1">
-            <a:off x="1481032" y="5231731"/>
+            <a:off x="2770529" y="6154326"/>
             <a:ext cx="1706880" cy="0"/>
           </a:xfrm>
           <a:prstGeom prst="line">
@@ -5633,7 +5638,7 @@
         </p:nvCxnSpPr>
         <p:spPr>
           <a:xfrm flipH="1">
-            <a:off x="1474047" y="5373244"/>
+            <a:off x="2763544" y="6295839"/>
             <a:ext cx="1706880" cy="0"/>
           </a:xfrm>
           <a:prstGeom prst="line">
@@ -5676,7 +5681,7 @@
         </p:nvCxnSpPr>
         <p:spPr>
           <a:xfrm flipH="1">
-            <a:off x="1481032" y="5485731"/>
+            <a:off x="2770529" y="6408326"/>
             <a:ext cx="1706880" cy="0"/>
           </a:xfrm>
           <a:prstGeom prst="line">
@@ -5724,7 +5729,7 @@
         </p:blipFill>
         <p:spPr>
           <a:xfrm>
-            <a:off x="410376" y="4934524"/>
+            <a:off x="1699873" y="5857119"/>
             <a:ext cx="1130300" cy="826447"/>
           </a:xfrm>
           <a:prstGeom prst="rect">
@@ -5746,7 +5751,7 @@
         </p:nvSpPr>
         <p:spPr>
           <a:xfrm>
-            <a:off x="2975211" y="5078438"/>
+            <a:off x="4264708" y="6001033"/>
             <a:ext cx="262255" cy="185351"/>
           </a:xfrm>
           <a:prstGeom prst="ellipse">
@@ -5806,7 +5811,7 @@
         </p:nvSpPr>
         <p:spPr>
           <a:xfrm>
-            <a:off x="2968250" y="5344218"/>
+            <a:off x="4257747" y="6266813"/>
             <a:ext cx="262255" cy="185351"/>
           </a:xfrm>
           <a:prstGeom prst="ellipse">
@@ -5866,7 +5871,7 @@
         </p:nvGrpSpPr>
         <p:grpSpPr>
           <a:xfrm>
-            <a:off x="417337" y="5902483"/>
+            <a:off x="8003545" y="5782762"/>
             <a:ext cx="2820129" cy="826447"/>
             <a:chOff x="8266731" y="5463764"/>
             <a:chExt cx="2820129" cy="826447"/>
@@ -6148,7 +6153,7 @@
         </p:nvSpPr>
         <p:spPr>
           <a:xfrm>
-            <a:off x="649385" y="4692247"/>
+            <a:off x="1938882" y="5614842"/>
             <a:ext cx="2588081" cy="369332"/>
           </a:xfrm>
           <a:prstGeom prst="rect">
@@ -6183,7 +6188,7 @@
         </p:nvSpPr>
         <p:spPr>
           <a:xfrm>
-            <a:off x="1534933" y="6497218"/>
+            <a:off x="9121141" y="6377497"/>
             <a:ext cx="1703543" cy="369332"/>
           </a:xfrm>
           <a:prstGeom prst="rect">
@@ -6218,7 +6223,7 @@
         </p:nvSpPr>
         <p:spPr>
           <a:xfrm>
-            <a:off x="3187888" y="5026365"/>
+            <a:off x="4477385" y="5948960"/>
             <a:ext cx="663964" cy="261610"/>
           </a:xfrm>
           <a:prstGeom prst="rect">
@@ -6253,7 +6258,7 @@
         </p:nvSpPr>
         <p:spPr>
           <a:xfrm>
-            <a:off x="3187888" y="5323060"/>
+            <a:off x="4477385" y="6245655"/>
             <a:ext cx="663964" cy="261610"/>
           </a:xfrm>
           <a:prstGeom prst="rect">
@@ -6288,7 +6293,7 @@
         </p:nvSpPr>
         <p:spPr>
           <a:xfrm>
-            <a:off x="3180927" y="6274047"/>
+            <a:off x="10767135" y="6154326"/>
             <a:ext cx="663964" cy="261610"/>
           </a:xfrm>
           <a:prstGeom prst="rect">

--- a/KosmosV4System/doc/pictures/V4_Batterie/CablageCaissonBatterie.pptx
+++ b/KosmosV4System/doc/pictures/V4_Batterie/CablageCaissonBatterie.pptx
@@ -260,7 +260,7 @@
           <a:p>
             <a:fld id="{CBE28E84-A7D2-4159-A0E1-378114FD4EAF}" type="datetimeFigureOut">
               <a:rPr lang="fr-FR" smtClean="0"/>
-              <a:t>23/12/2025</a:t>
+              <a:t>09/01/2026</a:t>
             </a:fld>
             <a:endParaRPr lang="fr-FR"/>
           </a:p>
@@ -458,7 +458,7 @@
           <a:p>
             <a:fld id="{CBE28E84-A7D2-4159-A0E1-378114FD4EAF}" type="datetimeFigureOut">
               <a:rPr lang="fr-FR" smtClean="0"/>
-              <a:t>23/12/2025</a:t>
+              <a:t>09/01/2026</a:t>
             </a:fld>
             <a:endParaRPr lang="fr-FR"/>
           </a:p>
@@ -666,7 +666,7 @@
           <a:p>
             <a:fld id="{CBE28E84-A7D2-4159-A0E1-378114FD4EAF}" type="datetimeFigureOut">
               <a:rPr lang="fr-FR" smtClean="0"/>
-              <a:t>23/12/2025</a:t>
+              <a:t>09/01/2026</a:t>
             </a:fld>
             <a:endParaRPr lang="fr-FR"/>
           </a:p>
@@ -864,7 +864,7 @@
           <a:p>
             <a:fld id="{CBE28E84-A7D2-4159-A0E1-378114FD4EAF}" type="datetimeFigureOut">
               <a:rPr lang="fr-FR" smtClean="0"/>
-              <a:t>23/12/2025</a:t>
+              <a:t>09/01/2026</a:t>
             </a:fld>
             <a:endParaRPr lang="fr-FR"/>
           </a:p>
@@ -1139,7 +1139,7 @@
           <a:p>
             <a:fld id="{CBE28E84-A7D2-4159-A0E1-378114FD4EAF}" type="datetimeFigureOut">
               <a:rPr lang="fr-FR" smtClean="0"/>
-              <a:t>23/12/2025</a:t>
+              <a:t>09/01/2026</a:t>
             </a:fld>
             <a:endParaRPr lang="fr-FR"/>
           </a:p>
@@ -1404,7 +1404,7 @@
           <a:p>
             <a:fld id="{CBE28E84-A7D2-4159-A0E1-378114FD4EAF}" type="datetimeFigureOut">
               <a:rPr lang="fr-FR" smtClean="0"/>
-              <a:t>23/12/2025</a:t>
+              <a:t>09/01/2026</a:t>
             </a:fld>
             <a:endParaRPr lang="fr-FR"/>
           </a:p>
@@ -1816,7 +1816,7 @@
           <a:p>
             <a:fld id="{CBE28E84-A7D2-4159-A0E1-378114FD4EAF}" type="datetimeFigureOut">
               <a:rPr lang="fr-FR" smtClean="0"/>
-              <a:t>23/12/2025</a:t>
+              <a:t>09/01/2026</a:t>
             </a:fld>
             <a:endParaRPr lang="fr-FR"/>
           </a:p>
@@ -1957,7 +1957,7 @@
           <a:p>
             <a:fld id="{CBE28E84-A7D2-4159-A0E1-378114FD4EAF}" type="datetimeFigureOut">
               <a:rPr lang="fr-FR" smtClean="0"/>
-              <a:t>23/12/2025</a:t>
+              <a:t>09/01/2026</a:t>
             </a:fld>
             <a:endParaRPr lang="fr-FR"/>
           </a:p>
@@ -2070,7 +2070,7 @@
           <a:p>
             <a:fld id="{CBE28E84-A7D2-4159-A0E1-378114FD4EAF}" type="datetimeFigureOut">
               <a:rPr lang="fr-FR" smtClean="0"/>
-              <a:t>23/12/2025</a:t>
+              <a:t>09/01/2026</a:t>
             </a:fld>
             <a:endParaRPr lang="fr-FR"/>
           </a:p>
@@ -2381,7 +2381,7 @@
           <a:p>
             <a:fld id="{CBE28E84-A7D2-4159-A0E1-378114FD4EAF}" type="datetimeFigureOut">
               <a:rPr lang="fr-FR" smtClean="0"/>
-              <a:t>23/12/2025</a:t>
+              <a:t>09/01/2026</a:t>
             </a:fld>
             <a:endParaRPr lang="fr-FR"/>
           </a:p>
@@ -2669,7 +2669,7 @@
           <a:p>
             <a:fld id="{CBE28E84-A7D2-4159-A0E1-378114FD4EAF}" type="datetimeFigureOut">
               <a:rPr lang="fr-FR" smtClean="0"/>
-              <a:t>23/12/2025</a:t>
+              <a:t>09/01/2026</a:t>
             </a:fld>
             <a:endParaRPr lang="fr-FR"/>
           </a:p>
@@ -2910,7 +2910,7 @@
           <a:p>
             <a:fld id="{CBE28E84-A7D2-4159-A0E1-378114FD4EAF}" type="datetimeFigureOut">
               <a:rPr lang="fr-FR" smtClean="0"/>
-              <a:t>23/12/2025</a:t>
+              <a:t>09/01/2026</a:t>
             </a:fld>
             <a:endParaRPr lang="fr-FR"/>
           </a:p>
@@ -5536,333 +5536,373 @@
           </a:prstGeom>
         </p:spPr>
       </p:pic>
-      <p:cxnSp>
-        <p:nvCxnSpPr>
-          <p:cNvPr id="124" name="Connecteur droit 123">
-            <a:extLst>
-              <a:ext uri="{FF2B5EF4-FFF2-40B4-BE49-F238E27FC236}">
-                <a16:creationId xmlns:a16="http://schemas.microsoft.com/office/drawing/2014/main" id="{CEF33C66-894D-4B0C-9A74-850210E1D432}"/>
-              </a:ext>
-            </a:extLst>
-          </p:cNvPr>
-          <p:cNvCxnSpPr>
-            <a:cxnSpLocks/>
-          </p:cNvCxnSpPr>
-          <p:nvPr/>
-        </p:nvCxnSpPr>
-        <p:spPr>
-          <a:xfrm flipH="1">
-            <a:off x="2763544" y="6041839"/>
-            <a:ext cx="1706880" cy="0"/>
-          </a:xfrm>
-          <a:prstGeom prst="line">
-            <a:avLst/>
-          </a:prstGeom>
-          <a:ln w="57150">
-            <a:solidFill>
-              <a:schemeClr val="bg2"/>
-            </a:solidFill>
-          </a:ln>
-        </p:spPr>
-        <p:style>
-          <a:lnRef idx="1">
-            <a:schemeClr val="accent1"/>
-          </a:lnRef>
-          <a:fillRef idx="0">
-            <a:schemeClr val="accent1"/>
-          </a:fillRef>
-          <a:effectRef idx="0">
-            <a:schemeClr val="accent1"/>
-          </a:effectRef>
-          <a:fontRef idx="minor">
-            <a:schemeClr val="tx1"/>
-          </a:fontRef>
-        </p:style>
-      </p:cxnSp>
-      <p:cxnSp>
-        <p:nvCxnSpPr>
-          <p:cNvPr id="125" name="Connecteur droit 124">
-            <a:extLst>
-              <a:ext uri="{FF2B5EF4-FFF2-40B4-BE49-F238E27FC236}">
-                <a16:creationId xmlns:a16="http://schemas.microsoft.com/office/drawing/2014/main" id="{19DFCDA0-B141-47E1-8561-38240EA7A9A3}"/>
-              </a:ext>
-            </a:extLst>
-          </p:cNvPr>
-          <p:cNvCxnSpPr>
-            <a:cxnSpLocks/>
-          </p:cNvCxnSpPr>
-          <p:nvPr/>
-        </p:nvCxnSpPr>
-        <p:spPr>
-          <a:xfrm flipH="1">
-            <a:off x="2770529" y="6154326"/>
-            <a:ext cx="1706880" cy="0"/>
-          </a:xfrm>
-          <a:prstGeom prst="line">
-            <a:avLst/>
-          </a:prstGeom>
-          <a:ln w="57150">
-            <a:solidFill>
-              <a:schemeClr val="tx1"/>
-            </a:solidFill>
-          </a:ln>
-        </p:spPr>
-        <p:style>
-          <a:lnRef idx="1">
-            <a:schemeClr val="accent1"/>
-          </a:lnRef>
-          <a:fillRef idx="0">
-            <a:schemeClr val="accent1"/>
-          </a:fillRef>
-          <a:effectRef idx="0">
-            <a:schemeClr val="accent1"/>
-          </a:effectRef>
-          <a:fontRef idx="minor">
-            <a:schemeClr val="tx1"/>
-          </a:fontRef>
-        </p:style>
-      </p:cxnSp>
-      <p:cxnSp>
-        <p:nvCxnSpPr>
-          <p:cNvPr id="126" name="Connecteur droit 125">
-            <a:extLst>
-              <a:ext uri="{FF2B5EF4-FFF2-40B4-BE49-F238E27FC236}">
-                <a16:creationId xmlns:a16="http://schemas.microsoft.com/office/drawing/2014/main" id="{E691D7B1-CB55-4AC0-A82E-63B26813F264}"/>
-              </a:ext>
-            </a:extLst>
-          </p:cNvPr>
-          <p:cNvCxnSpPr>
-            <a:cxnSpLocks/>
-          </p:cNvCxnSpPr>
-          <p:nvPr/>
-        </p:nvCxnSpPr>
-        <p:spPr>
-          <a:xfrm flipH="1">
-            <a:off x="2763544" y="6295839"/>
-            <a:ext cx="1706880" cy="0"/>
-          </a:xfrm>
-          <a:prstGeom prst="line">
-            <a:avLst/>
-          </a:prstGeom>
-          <a:ln w="57150">
-            <a:solidFill>
-              <a:srgbClr val="00B050"/>
-            </a:solidFill>
-          </a:ln>
-        </p:spPr>
-        <p:style>
-          <a:lnRef idx="1">
-            <a:schemeClr val="accent1"/>
-          </a:lnRef>
-          <a:fillRef idx="0">
-            <a:schemeClr val="accent1"/>
-          </a:fillRef>
-          <a:effectRef idx="0">
-            <a:schemeClr val="accent1"/>
-          </a:effectRef>
-          <a:fontRef idx="minor">
-            <a:schemeClr val="tx1"/>
-          </a:fontRef>
-        </p:style>
-      </p:cxnSp>
-      <p:cxnSp>
-        <p:nvCxnSpPr>
-          <p:cNvPr id="127" name="Connecteur droit 126">
-            <a:extLst>
-              <a:ext uri="{FF2B5EF4-FFF2-40B4-BE49-F238E27FC236}">
-                <a16:creationId xmlns:a16="http://schemas.microsoft.com/office/drawing/2014/main" id="{5B810817-2816-4659-B5A6-B313B57780A9}"/>
-              </a:ext>
-            </a:extLst>
-          </p:cNvPr>
-          <p:cNvCxnSpPr>
-            <a:cxnSpLocks/>
-          </p:cNvCxnSpPr>
-          <p:nvPr/>
-        </p:nvCxnSpPr>
-        <p:spPr>
-          <a:xfrm flipH="1">
-            <a:off x="2770529" y="6408326"/>
-            <a:ext cx="1706880" cy="0"/>
-          </a:xfrm>
-          <a:prstGeom prst="line">
-            <a:avLst/>
-          </a:prstGeom>
-          <a:ln w="57150">
-            <a:solidFill>
-              <a:srgbClr val="FF0000"/>
-            </a:solidFill>
-          </a:ln>
-        </p:spPr>
-        <p:style>
-          <a:lnRef idx="1">
-            <a:schemeClr val="accent1"/>
-          </a:lnRef>
-          <a:fillRef idx="0">
-            <a:schemeClr val="accent1"/>
-          </a:fillRef>
-          <a:effectRef idx="0">
-            <a:schemeClr val="accent1"/>
-          </a:effectRef>
-          <a:fontRef idx="minor">
-            <a:schemeClr val="tx1"/>
-          </a:fontRef>
-        </p:style>
-      </p:cxnSp>
-      <p:pic>
-        <p:nvPicPr>
-          <p:cNvPr id="123" name="Image 122">
-            <a:extLst>
-              <a:ext uri="{FF2B5EF4-FFF2-40B4-BE49-F238E27FC236}">
-                <a16:creationId xmlns:a16="http://schemas.microsoft.com/office/drawing/2014/main" id="{EC0C9A07-BE6A-4202-91C3-86330B3F5583}"/>
-              </a:ext>
-            </a:extLst>
-          </p:cNvPr>
-          <p:cNvPicPr>
-            <a:picLocks noChangeAspect="1"/>
-          </p:cNvPicPr>
-          <p:nvPr/>
-        </p:nvPicPr>
-        <p:blipFill rotWithShape="1">
-          <a:blip r:embed="rId9"/>
-          <a:srcRect l="21740" t="28976" r="19215" b="27153"/>
-          <a:stretch/>
-        </p:blipFill>
+      <p:sp>
+        <p:nvSpPr>
+          <p:cNvPr id="138" name="ZoneTexte 137">
+            <a:extLst>
+              <a:ext uri="{FF2B5EF4-FFF2-40B4-BE49-F238E27FC236}">
+                <a16:creationId xmlns:a16="http://schemas.microsoft.com/office/drawing/2014/main" id="{9B1CBD1B-A930-403E-8164-33BD868AC040}"/>
+              </a:ext>
+            </a:extLst>
+          </p:cNvPr>
+          <p:cNvSpPr txBox="1"/>
+          <p:nvPr/>
+        </p:nvSpPr>
         <p:spPr>
           <a:xfrm>
-            <a:off x="1699873" y="5857119"/>
-            <a:ext cx="1130300" cy="826447"/>
+            <a:off x="1678940" y="5700247"/>
+            <a:ext cx="2588081" cy="369332"/>
           </a:xfrm>
           <a:prstGeom prst="rect">
             <a:avLst/>
           </a:prstGeom>
-        </p:spPr>
-      </p:pic>
-      <p:sp>
-        <p:nvSpPr>
-          <p:cNvPr id="128" name="Ellipse 127">
-            <a:extLst>
-              <a:ext uri="{FF2B5EF4-FFF2-40B4-BE49-F238E27FC236}">
-                <a16:creationId xmlns:a16="http://schemas.microsoft.com/office/drawing/2014/main" id="{EF03578C-3E45-445F-BBEF-9866C4924B8C}"/>
-              </a:ext>
-            </a:extLst>
-          </p:cNvPr>
-          <p:cNvSpPr/>
+          <a:noFill/>
+        </p:spPr>
+        <p:txBody>
+          <a:bodyPr wrap="none" rtlCol="0">
+            <a:spAutoFit/>
+          </a:bodyPr>
+          <a:lstStyle/>
+          <a:p>
+            <a:r>
+              <a:rPr lang="fr-FR" dirty="0"/>
+              <a:t>Shunt de fonctionnement</a:t>
+            </a:r>
+          </a:p>
+        </p:txBody>
+      </p:sp>
+      <p:sp>
+        <p:nvSpPr>
+          <p:cNvPr id="139" name="ZoneTexte 138">
+            <a:extLst>
+              <a:ext uri="{FF2B5EF4-FFF2-40B4-BE49-F238E27FC236}">
+                <a16:creationId xmlns:a16="http://schemas.microsoft.com/office/drawing/2014/main" id="{EC6F331D-3DAB-409B-B396-E6FF893B5FA2}"/>
+              </a:ext>
+            </a:extLst>
+          </p:cNvPr>
+          <p:cNvSpPr txBox="1"/>
           <p:nvPr/>
         </p:nvSpPr>
         <p:spPr>
           <a:xfrm>
-            <a:off x="4264708" y="6001033"/>
-            <a:ext cx="262255" cy="185351"/>
-          </a:xfrm>
-          <a:prstGeom prst="ellipse">
-            <a:avLst/>
-          </a:prstGeom>
-          <a:solidFill>
-            <a:schemeClr val="tx1">
-              <a:lumMod val="65000"/>
-              <a:lumOff val="35000"/>
-            </a:schemeClr>
-          </a:solidFill>
-          <a:ln>
-            <a:solidFill>
-              <a:schemeClr val="tx1">
-                <a:lumMod val="65000"/>
-                <a:lumOff val="35000"/>
-              </a:schemeClr>
-            </a:solidFill>
-          </a:ln>
-        </p:spPr>
-        <p:style>
-          <a:lnRef idx="2">
-            <a:schemeClr val="accent1">
-              <a:shade val="50000"/>
-            </a:schemeClr>
-          </a:lnRef>
-          <a:fillRef idx="1">
-            <a:schemeClr val="accent1"/>
-          </a:fillRef>
-          <a:effectRef idx="0">
-            <a:schemeClr val="accent1"/>
-          </a:effectRef>
-          <a:fontRef idx="minor">
-            <a:schemeClr val="lt1"/>
-          </a:fontRef>
-        </p:style>
-        <p:txBody>
-          <a:bodyPr rtlCol="0" anchor="ctr"/>
+            <a:off x="5141349" y="5668209"/>
+            <a:ext cx="1703543" cy="369332"/>
+          </a:xfrm>
+          <a:prstGeom prst="rect">
+            <a:avLst/>
+          </a:prstGeom>
+          <a:noFill/>
+        </p:spPr>
+        <p:txBody>
+          <a:bodyPr wrap="none" rtlCol="0">
+            <a:spAutoFit/>
+          </a:bodyPr>
           <a:lstStyle/>
           <a:p>
-            <a:pPr algn="ctr"/>
-            <a:endParaRPr lang="fr-FR"/>
-          </a:p>
-        </p:txBody>
-      </p:sp>
-      <p:sp>
-        <p:nvSpPr>
-          <p:cNvPr id="129" name="Ellipse 128">
-            <a:extLst>
-              <a:ext uri="{FF2B5EF4-FFF2-40B4-BE49-F238E27FC236}">
-                <a16:creationId xmlns:a16="http://schemas.microsoft.com/office/drawing/2014/main" id="{40938F2F-B0B4-441A-AB6F-EA1330861709}"/>
-              </a:ext>
-            </a:extLst>
-          </p:cNvPr>
-          <p:cNvSpPr/>
+            <a:r>
+              <a:rPr lang="fr-FR" dirty="0"/>
+              <a:t>Shunt de charge</a:t>
+            </a:r>
+          </a:p>
+        </p:txBody>
+      </p:sp>
+      <p:sp>
+        <p:nvSpPr>
+          <p:cNvPr id="143" name="ZoneTexte 142">
+            <a:extLst>
+              <a:ext uri="{FF2B5EF4-FFF2-40B4-BE49-F238E27FC236}">
+                <a16:creationId xmlns:a16="http://schemas.microsoft.com/office/drawing/2014/main" id="{6341568B-7ACA-4DB1-831C-D7B4AA7B9635}"/>
+              </a:ext>
+            </a:extLst>
+          </p:cNvPr>
+          <p:cNvSpPr txBox="1"/>
           <p:nvPr/>
         </p:nvSpPr>
         <p:spPr>
           <a:xfrm>
-            <a:off x="4257747" y="6266813"/>
-            <a:ext cx="262255" cy="185351"/>
-          </a:xfrm>
-          <a:prstGeom prst="ellipse">
-            <a:avLst/>
-          </a:prstGeom>
-          <a:solidFill>
-            <a:schemeClr val="tx1">
-              <a:lumMod val="65000"/>
-              <a:lumOff val="35000"/>
-            </a:schemeClr>
-          </a:solidFill>
-          <a:ln>
-            <a:solidFill>
-              <a:schemeClr val="tx1">
-                <a:lumMod val="65000"/>
-                <a:lumOff val="35000"/>
-              </a:schemeClr>
-            </a:solidFill>
-          </a:ln>
-        </p:spPr>
-        <p:style>
-          <a:lnRef idx="2">
-            <a:schemeClr val="accent1">
-              <a:shade val="50000"/>
-            </a:schemeClr>
-          </a:lnRef>
-          <a:fillRef idx="1">
-            <a:schemeClr val="accent1"/>
-          </a:fillRef>
-          <a:effectRef idx="0">
-            <a:schemeClr val="accent1"/>
-          </a:effectRef>
-          <a:fontRef idx="minor">
-            <a:schemeClr val="lt1"/>
-          </a:fontRef>
-        </p:style>
-        <p:txBody>
-          <a:bodyPr rtlCol="0" anchor="ctr"/>
+            <a:off x="6551554" y="4941779"/>
+            <a:ext cx="1167307" cy="261610"/>
+          </a:xfrm>
+          <a:prstGeom prst="rect">
+            <a:avLst/>
+          </a:prstGeom>
+          <a:noFill/>
+        </p:spPr>
+        <p:txBody>
+          <a:bodyPr wrap="none" rtlCol="0">
+            <a:spAutoFit/>
+          </a:bodyPr>
           <a:lstStyle/>
           <a:p>
-            <a:pPr algn="ctr"/>
-            <a:endParaRPr lang="fr-FR"/>
+            <a:r>
+              <a:rPr lang="fr-FR" sz="1100" dirty="0" err="1"/>
+              <a:t>Wago</a:t>
+            </a:r>
+            <a:r>
+              <a:rPr lang="fr-FR" sz="1100" dirty="0"/>
+              <a:t> ou domino</a:t>
+            </a:r>
+          </a:p>
+        </p:txBody>
+      </p:sp>
+      <p:sp>
+        <p:nvSpPr>
+          <p:cNvPr id="144" name="ZoneTexte 143">
+            <a:extLst>
+              <a:ext uri="{FF2B5EF4-FFF2-40B4-BE49-F238E27FC236}">
+                <a16:creationId xmlns:a16="http://schemas.microsoft.com/office/drawing/2014/main" id="{57E793D7-1A90-4888-B5B1-7834A16E5FB1}"/>
+              </a:ext>
+            </a:extLst>
+          </p:cNvPr>
+          <p:cNvSpPr txBox="1"/>
+          <p:nvPr/>
+        </p:nvSpPr>
+        <p:spPr>
+          <a:xfrm>
+            <a:off x="1925572" y="2690719"/>
+            <a:ext cx="787395" cy="369332"/>
+          </a:xfrm>
+          <a:prstGeom prst="rect">
+            <a:avLst/>
+          </a:prstGeom>
+          <a:noFill/>
+        </p:spPr>
+        <p:txBody>
+          <a:bodyPr wrap="none" rtlCol="0">
+            <a:spAutoFit/>
+          </a:bodyPr>
+          <a:lstStyle/>
+          <a:p>
+            <a:r>
+              <a:rPr lang="fr-FR" dirty="0"/>
+              <a:t>Masse</a:t>
+            </a:r>
+          </a:p>
+        </p:txBody>
+      </p:sp>
+      <p:sp>
+        <p:nvSpPr>
+          <p:cNvPr id="145" name="ZoneTexte 144">
+            <a:extLst>
+              <a:ext uri="{FF2B5EF4-FFF2-40B4-BE49-F238E27FC236}">
+                <a16:creationId xmlns:a16="http://schemas.microsoft.com/office/drawing/2014/main" id="{69BA6FEE-5ED3-47F4-B047-6DF5A1541194}"/>
+              </a:ext>
+            </a:extLst>
+          </p:cNvPr>
+          <p:cNvSpPr txBox="1"/>
+          <p:nvPr/>
+        </p:nvSpPr>
+        <p:spPr>
+          <a:xfrm>
+            <a:off x="2030456" y="3259996"/>
+            <a:ext cx="550151" cy="369332"/>
+          </a:xfrm>
+          <a:prstGeom prst="rect">
+            <a:avLst/>
+          </a:prstGeom>
+          <a:noFill/>
+        </p:spPr>
+        <p:txBody>
+          <a:bodyPr wrap="none" rtlCol="0">
+            <a:spAutoFit/>
+          </a:bodyPr>
+          <a:lstStyle/>
+          <a:p>
+            <a:r>
+              <a:rPr lang="fr-FR" dirty="0"/>
+              <a:t>12V</a:t>
+            </a:r>
+          </a:p>
+        </p:txBody>
+      </p:sp>
+      <p:sp>
+        <p:nvSpPr>
+          <p:cNvPr id="146" name="ZoneTexte 145">
+            <a:extLst>
+              <a:ext uri="{FF2B5EF4-FFF2-40B4-BE49-F238E27FC236}">
+                <a16:creationId xmlns:a16="http://schemas.microsoft.com/office/drawing/2014/main" id="{2F98B45B-1449-4B17-9836-7E24EAAA9F2D}"/>
+              </a:ext>
+            </a:extLst>
+          </p:cNvPr>
+          <p:cNvSpPr txBox="1"/>
+          <p:nvPr/>
+        </p:nvSpPr>
+        <p:spPr>
+          <a:xfrm>
+            <a:off x="11481588" y="1151093"/>
+            <a:ext cx="537327" cy="577081"/>
+          </a:xfrm>
+          <a:prstGeom prst="rect">
+            <a:avLst/>
+          </a:prstGeom>
+          <a:noFill/>
+        </p:spPr>
+        <p:txBody>
+          <a:bodyPr wrap="none" rtlCol="0">
+            <a:spAutoFit/>
+          </a:bodyPr>
+          <a:lstStyle/>
+          <a:p>
+            <a:r>
+              <a:rPr lang="fr-FR" sz="1050" dirty="0"/>
+              <a:t>5V</a:t>
+            </a:r>
+          </a:p>
+          <a:p>
+            <a:r>
+              <a:rPr lang="fr-FR" sz="1050" dirty="0"/>
+              <a:t>Masse</a:t>
+            </a:r>
+          </a:p>
+          <a:p>
+            <a:r>
+              <a:rPr lang="fr-FR" sz="1050" dirty="0"/>
+              <a:t>12V</a:t>
+            </a:r>
+          </a:p>
+        </p:txBody>
+      </p:sp>
+      <p:sp>
+        <p:nvSpPr>
+          <p:cNvPr id="148" name="ZoneTexte 147">
+            <a:extLst>
+              <a:ext uri="{FF2B5EF4-FFF2-40B4-BE49-F238E27FC236}">
+                <a16:creationId xmlns:a16="http://schemas.microsoft.com/office/drawing/2014/main" id="{A4139612-895F-4F34-9220-B9D8C3C0C963}"/>
+              </a:ext>
+            </a:extLst>
+          </p:cNvPr>
+          <p:cNvSpPr txBox="1"/>
+          <p:nvPr/>
+        </p:nvSpPr>
+        <p:spPr>
+          <a:xfrm>
+            <a:off x="11481587" y="2137289"/>
+            <a:ext cx="537327" cy="577081"/>
+          </a:xfrm>
+          <a:prstGeom prst="rect">
+            <a:avLst/>
+          </a:prstGeom>
+          <a:noFill/>
+        </p:spPr>
+        <p:txBody>
+          <a:bodyPr wrap="none" rtlCol="0">
+            <a:spAutoFit/>
+          </a:bodyPr>
+          <a:lstStyle/>
+          <a:p>
+            <a:r>
+              <a:rPr lang="fr-FR" sz="1050" dirty="0"/>
+              <a:t>5V</a:t>
+            </a:r>
+          </a:p>
+          <a:p>
+            <a:r>
+              <a:rPr lang="fr-FR" sz="1050" dirty="0"/>
+              <a:t>Masse</a:t>
+            </a:r>
+          </a:p>
+          <a:p>
+            <a:r>
+              <a:rPr lang="fr-FR" sz="1050" dirty="0"/>
+              <a:t>12V</a:t>
+            </a:r>
+          </a:p>
+        </p:txBody>
+      </p:sp>
+      <p:sp>
+        <p:nvSpPr>
+          <p:cNvPr id="149" name="ZoneTexte 148">
+            <a:extLst>
+              <a:ext uri="{FF2B5EF4-FFF2-40B4-BE49-F238E27FC236}">
+                <a16:creationId xmlns:a16="http://schemas.microsoft.com/office/drawing/2014/main" id="{FAD4E591-40BE-43DD-8835-82A0B18391E1}"/>
+              </a:ext>
+            </a:extLst>
+          </p:cNvPr>
+          <p:cNvSpPr txBox="1"/>
+          <p:nvPr/>
+        </p:nvSpPr>
+        <p:spPr>
+          <a:xfrm>
+            <a:off x="11428515" y="3727456"/>
+            <a:ext cx="399468" cy="738664"/>
+          </a:xfrm>
+          <a:prstGeom prst="rect">
+            <a:avLst/>
+          </a:prstGeom>
+          <a:noFill/>
+        </p:spPr>
+        <p:txBody>
+          <a:bodyPr wrap="none" rtlCol="0">
+            <a:spAutoFit/>
+          </a:bodyPr>
+          <a:lstStyle/>
+          <a:p>
+            <a:r>
+              <a:rPr lang="fr-FR" sz="1050" dirty="0"/>
+              <a:t>5V</a:t>
+            </a:r>
+          </a:p>
+          <a:p>
+            <a:r>
+              <a:rPr lang="fr-FR" sz="1050" dirty="0"/>
+              <a:t>5V</a:t>
+            </a:r>
+          </a:p>
+          <a:p>
+            <a:r>
+              <a:rPr lang="fr-FR" sz="1050" dirty="0"/>
+              <a:t>12V</a:t>
+            </a:r>
+          </a:p>
+          <a:p>
+            <a:r>
+              <a:rPr lang="fr-FR" sz="1050" dirty="0"/>
+              <a:t>12V</a:t>
+            </a:r>
+          </a:p>
+        </p:txBody>
+      </p:sp>
+      <p:sp>
+        <p:nvSpPr>
+          <p:cNvPr id="150" name="ZoneTexte 149">
+            <a:extLst>
+              <a:ext uri="{FF2B5EF4-FFF2-40B4-BE49-F238E27FC236}">
+                <a16:creationId xmlns:a16="http://schemas.microsoft.com/office/drawing/2014/main" id="{1DA837A8-2D65-4981-B191-C8F12BF7E75A}"/>
+              </a:ext>
+            </a:extLst>
+          </p:cNvPr>
+          <p:cNvSpPr txBox="1"/>
+          <p:nvPr/>
+        </p:nvSpPr>
+        <p:spPr>
+          <a:xfrm>
+            <a:off x="642813" y="1904230"/>
+            <a:ext cx="930191" cy="369332"/>
+          </a:xfrm>
+          <a:prstGeom prst="rect">
+            <a:avLst/>
+          </a:prstGeom>
+          <a:noFill/>
+        </p:spPr>
+        <p:txBody>
+          <a:bodyPr wrap="none" rtlCol="0">
+            <a:spAutoFit/>
+          </a:bodyPr>
+          <a:lstStyle/>
+          <a:p>
+            <a:r>
+              <a:rPr lang="fr-FR" dirty="0"/>
+              <a:t>Batterie</a:t>
+            </a:r>
           </a:p>
         </p:txBody>
       </p:sp>
       <p:grpSp>
         <p:nvGrpSpPr>
-          <p:cNvPr id="137" name="Groupe 136">
-            <a:extLst>
-              <a:ext uri="{FF2B5EF4-FFF2-40B4-BE49-F238E27FC236}">
-                <a16:creationId xmlns:a16="http://schemas.microsoft.com/office/drawing/2014/main" id="{93373196-D948-4FB6-A28B-4A012AB797B7}"/>
+          <p:cNvPr id="24" name="Groupe 23">
+            <a:extLst>
+              <a:ext uri="{FF2B5EF4-FFF2-40B4-BE49-F238E27FC236}">
+                <a16:creationId xmlns:a16="http://schemas.microsoft.com/office/drawing/2014/main" id="{283AFFB6-BCB9-4D3F-8031-6041D11FF3B3}"/>
               </a:ext>
             </a:extLst>
           </p:cNvPr>
@@ -5871,190 +5911,48 @@
         </p:nvGrpSpPr>
         <p:grpSpPr>
           <a:xfrm>
-            <a:off x="8003545" y="5782762"/>
-            <a:ext cx="2820129" cy="826447"/>
-            <a:chOff x="8266731" y="5463764"/>
-            <a:chExt cx="2820129" cy="826447"/>
+            <a:off x="1275049" y="5975236"/>
+            <a:ext cx="3202355" cy="691807"/>
+            <a:chOff x="1275049" y="5975236"/>
+            <a:chExt cx="3202355" cy="691807"/>
           </a:xfrm>
         </p:grpSpPr>
-        <p:cxnSp>
-          <p:nvCxnSpPr>
-            <p:cNvPr id="130" name="Connecteur droit 129">
+        <p:pic>
+          <p:nvPicPr>
+            <p:cNvPr id="8" name="Image 7">
               <a:extLst>
                 <a:ext uri="{FF2B5EF4-FFF2-40B4-BE49-F238E27FC236}">
-                  <a16:creationId xmlns:a16="http://schemas.microsoft.com/office/drawing/2014/main" id="{BC088759-7B3E-46FE-8466-3F06D30745A7}"/>
+                  <a16:creationId xmlns:a16="http://schemas.microsoft.com/office/drawing/2014/main" id="{2D204A93-7831-49D4-80AD-122A75B1F477}"/>
                 </a:ext>
               </a:extLst>
             </p:cNvPr>
-            <p:cNvCxnSpPr>
-              <a:cxnSpLocks/>
-            </p:cNvCxnSpPr>
+            <p:cNvPicPr>
+              <a:picLocks noChangeAspect="1"/>
+            </p:cNvPicPr>
             <p:nvPr/>
-          </p:nvCxnSpPr>
+          </p:nvPicPr>
+          <p:blipFill>
+            <a:blip r:embed="rId9"/>
+            <a:stretch>
+              <a:fillRect/>
+            </a:stretch>
+          </p:blipFill>
           <p:spPr>
-            <a:xfrm flipH="1">
-              <a:off x="9330402" y="5648484"/>
-              <a:ext cx="1706880" cy="0"/>
+            <a:xfrm>
+              <a:off x="3343323" y="6176369"/>
+              <a:ext cx="1134081" cy="284959"/>
             </a:xfrm>
-            <a:prstGeom prst="line">
+            <a:prstGeom prst="rect">
               <a:avLst/>
             </a:prstGeom>
-            <a:ln w="57150">
-              <a:solidFill>
-                <a:schemeClr val="bg2"/>
-              </a:solidFill>
-            </a:ln>
           </p:spPr>
-          <p:style>
-            <a:lnRef idx="1">
-              <a:schemeClr val="accent1"/>
-            </a:lnRef>
-            <a:fillRef idx="0">
-              <a:schemeClr val="accent1"/>
-            </a:fillRef>
-            <a:effectRef idx="0">
-              <a:schemeClr val="accent1"/>
-            </a:effectRef>
-            <a:fontRef idx="minor">
-              <a:schemeClr val="tx1"/>
-            </a:fontRef>
-          </p:style>
-        </p:cxnSp>
-        <p:cxnSp>
-          <p:nvCxnSpPr>
-            <p:cNvPr id="131" name="Connecteur droit 130">
+        </p:pic>
+        <p:pic>
+          <p:nvPicPr>
+            <p:cNvPr id="3" name="Image 2">
               <a:extLst>
                 <a:ext uri="{FF2B5EF4-FFF2-40B4-BE49-F238E27FC236}">
-                  <a16:creationId xmlns:a16="http://schemas.microsoft.com/office/drawing/2014/main" id="{9DCC6851-2DBC-4079-A699-D711B6803253}"/>
-                </a:ext>
-              </a:extLst>
-            </p:cNvPr>
-            <p:cNvCxnSpPr>
-              <a:cxnSpLocks/>
-            </p:cNvCxnSpPr>
-            <p:nvPr/>
-          </p:nvCxnSpPr>
-          <p:spPr>
-            <a:xfrm flipH="1">
-              <a:off x="9337387" y="5760971"/>
-              <a:ext cx="1706880" cy="0"/>
-            </a:xfrm>
-            <a:prstGeom prst="line">
-              <a:avLst/>
-            </a:prstGeom>
-            <a:ln w="57150">
-              <a:solidFill>
-                <a:schemeClr val="tx1"/>
-              </a:solidFill>
-            </a:ln>
-          </p:spPr>
-          <p:style>
-            <a:lnRef idx="1">
-              <a:schemeClr val="accent1"/>
-            </a:lnRef>
-            <a:fillRef idx="0">
-              <a:schemeClr val="accent1"/>
-            </a:fillRef>
-            <a:effectRef idx="0">
-              <a:schemeClr val="accent1"/>
-            </a:effectRef>
-            <a:fontRef idx="minor">
-              <a:schemeClr val="tx1"/>
-            </a:fontRef>
-          </p:style>
-        </p:cxnSp>
-        <p:cxnSp>
-          <p:nvCxnSpPr>
-            <p:cNvPr id="132" name="Connecteur droit 131">
-              <a:extLst>
-                <a:ext uri="{FF2B5EF4-FFF2-40B4-BE49-F238E27FC236}">
-                  <a16:creationId xmlns:a16="http://schemas.microsoft.com/office/drawing/2014/main" id="{178F51CD-1840-424A-935E-CB6CF350F3AC}"/>
-                </a:ext>
-              </a:extLst>
-            </p:cNvPr>
-            <p:cNvCxnSpPr>
-              <a:cxnSpLocks/>
-            </p:cNvCxnSpPr>
-            <p:nvPr/>
-          </p:nvCxnSpPr>
-          <p:spPr>
-            <a:xfrm flipH="1">
-              <a:off x="9330402" y="5902484"/>
-              <a:ext cx="1706880" cy="0"/>
-            </a:xfrm>
-            <a:prstGeom prst="line">
-              <a:avLst/>
-            </a:prstGeom>
-            <a:ln w="57150">
-              <a:solidFill>
-                <a:srgbClr val="00B050"/>
-              </a:solidFill>
-            </a:ln>
-          </p:spPr>
-          <p:style>
-            <a:lnRef idx="1">
-              <a:schemeClr val="accent1"/>
-            </a:lnRef>
-            <a:fillRef idx="0">
-              <a:schemeClr val="accent1"/>
-            </a:fillRef>
-            <a:effectRef idx="0">
-              <a:schemeClr val="accent1"/>
-            </a:effectRef>
-            <a:fontRef idx="minor">
-              <a:schemeClr val="tx1"/>
-            </a:fontRef>
-          </p:style>
-        </p:cxnSp>
-        <p:cxnSp>
-          <p:nvCxnSpPr>
-            <p:cNvPr id="133" name="Connecteur droit 132">
-              <a:extLst>
-                <a:ext uri="{FF2B5EF4-FFF2-40B4-BE49-F238E27FC236}">
-                  <a16:creationId xmlns:a16="http://schemas.microsoft.com/office/drawing/2014/main" id="{D6AC9BAF-FEF5-4B95-9767-B4FE3C5E58B1}"/>
-                </a:ext>
-              </a:extLst>
-            </p:cNvPr>
-            <p:cNvCxnSpPr>
-              <a:cxnSpLocks/>
-            </p:cNvCxnSpPr>
-            <p:nvPr/>
-          </p:nvCxnSpPr>
-          <p:spPr>
-            <a:xfrm flipH="1">
-              <a:off x="9337387" y="6014971"/>
-              <a:ext cx="1706880" cy="0"/>
-            </a:xfrm>
-            <a:prstGeom prst="line">
-              <a:avLst/>
-            </a:prstGeom>
-            <a:ln w="57150">
-              <a:solidFill>
-                <a:srgbClr val="FF0000"/>
-              </a:solidFill>
-            </a:ln>
-          </p:spPr>
-          <p:style>
-            <a:lnRef idx="1">
-              <a:schemeClr val="accent1"/>
-            </a:lnRef>
-            <a:fillRef idx="0">
-              <a:schemeClr val="accent1"/>
-            </a:fillRef>
-            <a:effectRef idx="0">
-              <a:schemeClr val="accent1"/>
-            </a:effectRef>
-            <a:fontRef idx="minor">
-              <a:schemeClr val="tx1"/>
-            </a:fontRef>
-          </p:style>
-        </p:cxnSp>
-        <p:pic>
-          <p:nvPicPr>
-            <p:cNvPr id="134" name="Image 133">
-              <a:extLst>
-                <a:ext uri="{FF2B5EF4-FFF2-40B4-BE49-F238E27FC236}">
-                  <a16:creationId xmlns:a16="http://schemas.microsoft.com/office/drawing/2014/main" id="{0AB82BA7-39D8-4A2E-AD3D-C6181F66048B}"/>
+                  <a16:creationId xmlns:a16="http://schemas.microsoft.com/office/drawing/2014/main" id="{16EA74F7-363C-47A3-BAD8-86902A12252E}"/>
                 </a:ext>
               </a:extLst>
             </p:cNvPr>
@@ -6064,87 +5962,107 @@
             <p:nvPr/>
           </p:nvPicPr>
           <p:blipFill rotWithShape="1">
-            <a:blip r:embed="rId9"/>
-            <a:srcRect l="21740" t="28976" r="19215" b="27153"/>
+            <a:blip r:embed="rId10"/>
+            <a:srcRect l="19579" t="43091" r="36315" b="43004"/>
             <a:stretch/>
           </p:blipFill>
           <p:spPr>
             <a:xfrm>
-              <a:off x="8266731" y="5463764"/>
-              <a:ext cx="1130300" cy="826447"/>
+              <a:off x="1275049" y="5975236"/>
+              <a:ext cx="2197653" cy="691807"/>
             </a:xfrm>
             <a:prstGeom prst="rect">
               <a:avLst/>
             </a:prstGeom>
           </p:spPr>
         </p:pic>
-        <p:sp>
-          <p:nvSpPr>
-            <p:cNvPr id="136" name="Ellipse 135">
+      </p:grpSp>
+      <p:grpSp>
+        <p:nvGrpSpPr>
+          <p:cNvPr id="23" name="Groupe 22">
+            <a:extLst>
+              <a:ext uri="{FF2B5EF4-FFF2-40B4-BE49-F238E27FC236}">
+                <a16:creationId xmlns:a16="http://schemas.microsoft.com/office/drawing/2014/main" id="{332E4ED5-9FDE-439A-8AA4-A788EED1E66C}"/>
+              </a:ext>
+            </a:extLst>
+          </p:cNvPr>
+          <p:cNvGrpSpPr/>
+          <p:nvPr/>
+        </p:nvGrpSpPr>
+        <p:grpSpPr>
+          <a:xfrm>
+            <a:off x="5015847" y="5922343"/>
+            <a:ext cx="3258793" cy="691807"/>
+            <a:chOff x="7181376" y="5852875"/>
+            <a:chExt cx="3258793" cy="691807"/>
+          </a:xfrm>
+        </p:grpSpPr>
+        <p:pic>
+          <p:nvPicPr>
+            <p:cNvPr id="22" name="Image 21">
               <a:extLst>
                 <a:ext uri="{FF2B5EF4-FFF2-40B4-BE49-F238E27FC236}">
-                  <a16:creationId xmlns:a16="http://schemas.microsoft.com/office/drawing/2014/main" id="{A7D8BA59-0538-406B-A621-75993EFA41BC}"/>
+                  <a16:creationId xmlns:a16="http://schemas.microsoft.com/office/drawing/2014/main" id="{2FF3942F-A6F3-4545-9028-908D2B598EDF}"/>
                 </a:ext>
               </a:extLst>
             </p:cNvPr>
-            <p:cNvSpPr/>
+            <p:cNvPicPr>
+              <a:picLocks noChangeAspect="1"/>
+            </p:cNvPicPr>
             <p:nvPr/>
-          </p:nvSpPr>
+          </p:nvPicPr>
+          <p:blipFill>
+            <a:blip r:embed="rId11"/>
+            <a:stretch>
+              <a:fillRect/>
+            </a:stretch>
+          </p:blipFill>
           <p:spPr>
             <a:xfrm>
-              <a:off x="10824605" y="5873458"/>
-              <a:ext cx="262255" cy="185351"/>
+              <a:off x="9344808" y="6082013"/>
+              <a:ext cx="1095361" cy="233529"/>
             </a:xfrm>
-            <a:prstGeom prst="ellipse">
+            <a:prstGeom prst="rect">
               <a:avLst/>
             </a:prstGeom>
-            <a:solidFill>
-              <a:schemeClr val="tx1">
-                <a:lumMod val="65000"/>
-                <a:lumOff val="35000"/>
-              </a:schemeClr>
-            </a:solidFill>
-            <a:ln>
-              <a:solidFill>
-                <a:schemeClr val="tx1">
-                  <a:lumMod val="65000"/>
-                  <a:lumOff val="35000"/>
-                </a:schemeClr>
-              </a:solidFill>
-            </a:ln>
           </p:spPr>
-          <p:style>
-            <a:lnRef idx="2">
-              <a:schemeClr val="accent1">
-                <a:shade val="50000"/>
-              </a:schemeClr>
-            </a:lnRef>
-            <a:fillRef idx="1">
-              <a:schemeClr val="accent1"/>
-            </a:fillRef>
-            <a:effectRef idx="0">
-              <a:schemeClr val="accent1"/>
-            </a:effectRef>
-            <a:fontRef idx="minor">
-              <a:schemeClr val="lt1"/>
-            </a:fontRef>
-          </p:style>
-          <p:txBody>
-            <a:bodyPr rtlCol="0" anchor="ctr"/>
-            <a:lstStyle/>
-            <a:p>
-              <a:pPr algn="ctr"/>
-              <a:endParaRPr lang="fr-FR"/>
-            </a:p>
-          </p:txBody>
-        </p:sp>
+        </p:pic>
+        <p:pic>
+          <p:nvPicPr>
+            <p:cNvPr id="82" name="Image 81">
+              <a:extLst>
+                <a:ext uri="{FF2B5EF4-FFF2-40B4-BE49-F238E27FC236}">
+                  <a16:creationId xmlns:a16="http://schemas.microsoft.com/office/drawing/2014/main" id="{868108D0-7A6B-4D39-AAED-D0EAD0F7ECB9}"/>
+                </a:ext>
+              </a:extLst>
+            </p:cNvPr>
+            <p:cNvPicPr>
+              <a:picLocks noChangeAspect="1"/>
+            </p:cNvPicPr>
+            <p:nvPr/>
+          </p:nvPicPr>
+          <p:blipFill rotWithShape="1">
+            <a:blip r:embed="rId10"/>
+            <a:srcRect l="19579" t="43091" r="36315" b="43004"/>
+            <a:stretch/>
+          </p:blipFill>
+          <p:spPr>
+            <a:xfrm>
+              <a:off x="7181376" y="5852875"/>
+              <a:ext cx="2197653" cy="691807"/>
+            </a:xfrm>
+            <a:prstGeom prst="rect">
+              <a:avLst/>
+            </a:prstGeom>
+          </p:spPr>
+        </p:pic>
       </p:grpSp>
       <p:sp>
         <p:nvSpPr>
-          <p:cNvPr id="138" name="ZoneTexte 137">
-            <a:extLst>
-              <a:ext uri="{FF2B5EF4-FFF2-40B4-BE49-F238E27FC236}">
-                <a16:creationId xmlns:a16="http://schemas.microsoft.com/office/drawing/2014/main" id="{9B1CBD1B-A930-403E-8164-33BD868AC040}"/>
+          <p:cNvPr id="86" name="ZoneTexte 85">
+            <a:extLst>
+              <a:ext uri="{FF2B5EF4-FFF2-40B4-BE49-F238E27FC236}">
+                <a16:creationId xmlns:a16="http://schemas.microsoft.com/office/drawing/2014/main" id="{4EA50561-5E2E-4F8E-8BE8-04F2150FD639}"/>
               </a:ext>
             </a:extLst>
           </p:cNvPr>
@@ -6153,8 +6071,8 @@
         </p:nvSpPr>
         <p:spPr>
           <a:xfrm>
-            <a:off x="1938882" y="5614842"/>
-            <a:ext cx="2588081" cy="369332"/>
+            <a:off x="73918" y="4854426"/>
+            <a:ext cx="2402261" cy="523220"/>
           </a:xfrm>
           <a:prstGeom prst="rect">
             <a:avLst/>
@@ -6168,439 +6086,8 @@
           <a:lstStyle/>
           <a:p>
             <a:r>
-              <a:rPr lang="fr-FR" dirty="0"/>
-              <a:t>Shunt de fonctionnement</a:t>
-            </a:r>
-          </a:p>
-        </p:txBody>
-      </p:sp>
-      <p:sp>
-        <p:nvSpPr>
-          <p:cNvPr id="139" name="ZoneTexte 138">
-            <a:extLst>
-              <a:ext uri="{FF2B5EF4-FFF2-40B4-BE49-F238E27FC236}">
-                <a16:creationId xmlns:a16="http://schemas.microsoft.com/office/drawing/2014/main" id="{EC6F331D-3DAB-409B-B396-E6FF893B5FA2}"/>
-              </a:ext>
-            </a:extLst>
-          </p:cNvPr>
-          <p:cNvSpPr txBox="1"/>
-          <p:nvPr/>
-        </p:nvSpPr>
-        <p:spPr>
-          <a:xfrm>
-            <a:off x="9121141" y="6377497"/>
-            <a:ext cx="1703543" cy="369332"/>
-          </a:xfrm>
-          <a:prstGeom prst="rect">
-            <a:avLst/>
-          </a:prstGeom>
-          <a:noFill/>
-        </p:spPr>
-        <p:txBody>
-          <a:bodyPr wrap="none" rtlCol="0">
-            <a:spAutoFit/>
-          </a:bodyPr>
-          <a:lstStyle/>
-          <a:p>
-            <a:r>
-              <a:rPr lang="fr-FR" dirty="0"/>
-              <a:t>Shunt de charge</a:t>
-            </a:r>
-          </a:p>
-        </p:txBody>
-      </p:sp>
-      <p:sp>
-        <p:nvSpPr>
-          <p:cNvPr id="140" name="ZoneTexte 139">
-            <a:extLst>
-              <a:ext uri="{FF2B5EF4-FFF2-40B4-BE49-F238E27FC236}">
-                <a16:creationId xmlns:a16="http://schemas.microsoft.com/office/drawing/2014/main" id="{01E31935-454C-4AB3-B543-4BA8CBBCBC0E}"/>
-              </a:ext>
-            </a:extLst>
-          </p:cNvPr>
-          <p:cNvSpPr txBox="1"/>
-          <p:nvPr/>
-        </p:nvSpPr>
-        <p:spPr>
-          <a:xfrm>
-            <a:off x="4477385" y="5948960"/>
-            <a:ext cx="663964" cy="261610"/>
-          </a:xfrm>
-          <a:prstGeom prst="rect">
-            <a:avLst/>
-          </a:prstGeom>
-          <a:noFill/>
-        </p:spPr>
-        <p:txBody>
-          <a:bodyPr wrap="none" rtlCol="0">
-            <a:spAutoFit/>
-          </a:bodyPr>
-          <a:lstStyle/>
-          <a:p>
-            <a:r>
-              <a:rPr lang="fr-FR" sz="1100" dirty="0"/>
-              <a:t>Soudure</a:t>
-            </a:r>
-          </a:p>
-        </p:txBody>
-      </p:sp>
-      <p:sp>
-        <p:nvSpPr>
-          <p:cNvPr id="141" name="ZoneTexte 140">
-            <a:extLst>
-              <a:ext uri="{FF2B5EF4-FFF2-40B4-BE49-F238E27FC236}">
-                <a16:creationId xmlns:a16="http://schemas.microsoft.com/office/drawing/2014/main" id="{DD77C92C-0E19-4935-BFE9-0404748AF17D}"/>
-              </a:ext>
-            </a:extLst>
-          </p:cNvPr>
-          <p:cNvSpPr txBox="1"/>
-          <p:nvPr/>
-        </p:nvSpPr>
-        <p:spPr>
-          <a:xfrm>
-            <a:off x="4477385" y="6245655"/>
-            <a:ext cx="663964" cy="261610"/>
-          </a:xfrm>
-          <a:prstGeom prst="rect">
-            <a:avLst/>
-          </a:prstGeom>
-          <a:noFill/>
-        </p:spPr>
-        <p:txBody>
-          <a:bodyPr wrap="none" rtlCol="0">
-            <a:spAutoFit/>
-          </a:bodyPr>
-          <a:lstStyle/>
-          <a:p>
-            <a:r>
-              <a:rPr lang="fr-FR" sz="1100" dirty="0"/>
-              <a:t>Soudure</a:t>
-            </a:r>
-          </a:p>
-        </p:txBody>
-      </p:sp>
-      <p:sp>
-        <p:nvSpPr>
-          <p:cNvPr id="142" name="ZoneTexte 141">
-            <a:extLst>
-              <a:ext uri="{FF2B5EF4-FFF2-40B4-BE49-F238E27FC236}">
-                <a16:creationId xmlns:a16="http://schemas.microsoft.com/office/drawing/2014/main" id="{D52C41F6-5A5E-43D4-9627-D37379F2E63F}"/>
-              </a:ext>
-            </a:extLst>
-          </p:cNvPr>
-          <p:cNvSpPr txBox="1"/>
-          <p:nvPr/>
-        </p:nvSpPr>
-        <p:spPr>
-          <a:xfrm>
-            <a:off x="10767135" y="6154326"/>
-            <a:ext cx="663964" cy="261610"/>
-          </a:xfrm>
-          <a:prstGeom prst="rect">
-            <a:avLst/>
-          </a:prstGeom>
-          <a:noFill/>
-        </p:spPr>
-        <p:txBody>
-          <a:bodyPr wrap="none" rtlCol="0">
-            <a:spAutoFit/>
-          </a:bodyPr>
-          <a:lstStyle/>
-          <a:p>
-            <a:r>
-              <a:rPr lang="fr-FR" sz="1100" dirty="0"/>
-              <a:t>Soudure</a:t>
-            </a:r>
-          </a:p>
-        </p:txBody>
-      </p:sp>
-      <p:sp>
-        <p:nvSpPr>
-          <p:cNvPr id="143" name="ZoneTexte 142">
-            <a:extLst>
-              <a:ext uri="{FF2B5EF4-FFF2-40B4-BE49-F238E27FC236}">
-                <a16:creationId xmlns:a16="http://schemas.microsoft.com/office/drawing/2014/main" id="{6341568B-7ACA-4DB1-831C-D7B4AA7B9635}"/>
-              </a:ext>
-            </a:extLst>
-          </p:cNvPr>
-          <p:cNvSpPr txBox="1"/>
-          <p:nvPr/>
-        </p:nvSpPr>
-        <p:spPr>
-          <a:xfrm>
-            <a:off x="6551554" y="4941779"/>
-            <a:ext cx="1167307" cy="261610"/>
-          </a:xfrm>
-          <a:prstGeom prst="rect">
-            <a:avLst/>
-          </a:prstGeom>
-          <a:noFill/>
-        </p:spPr>
-        <p:txBody>
-          <a:bodyPr wrap="none" rtlCol="0">
-            <a:spAutoFit/>
-          </a:bodyPr>
-          <a:lstStyle/>
-          <a:p>
-            <a:r>
-              <a:rPr lang="fr-FR" sz="1100" dirty="0" err="1"/>
-              <a:t>Wago</a:t>
-            </a:r>
-            <a:r>
-              <a:rPr lang="fr-FR" sz="1100" dirty="0"/>
-              <a:t> ou domino</a:t>
-            </a:r>
-          </a:p>
-        </p:txBody>
-      </p:sp>
-      <p:sp>
-        <p:nvSpPr>
-          <p:cNvPr id="144" name="ZoneTexte 143">
-            <a:extLst>
-              <a:ext uri="{FF2B5EF4-FFF2-40B4-BE49-F238E27FC236}">
-                <a16:creationId xmlns:a16="http://schemas.microsoft.com/office/drawing/2014/main" id="{57E793D7-1A90-4888-B5B1-7834A16E5FB1}"/>
-              </a:ext>
-            </a:extLst>
-          </p:cNvPr>
-          <p:cNvSpPr txBox="1"/>
-          <p:nvPr/>
-        </p:nvSpPr>
-        <p:spPr>
-          <a:xfrm>
-            <a:off x="1925572" y="2690719"/>
-            <a:ext cx="787395" cy="369332"/>
-          </a:xfrm>
-          <a:prstGeom prst="rect">
-            <a:avLst/>
-          </a:prstGeom>
-          <a:noFill/>
-        </p:spPr>
-        <p:txBody>
-          <a:bodyPr wrap="none" rtlCol="0">
-            <a:spAutoFit/>
-          </a:bodyPr>
-          <a:lstStyle/>
-          <a:p>
-            <a:r>
-              <a:rPr lang="fr-FR" dirty="0"/>
-              <a:t>Masse</a:t>
-            </a:r>
-          </a:p>
-        </p:txBody>
-      </p:sp>
-      <p:sp>
-        <p:nvSpPr>
-          <p:cNvPr id="145" name="ZoneTexte 144">
-            <a:extLst>
-              <a:ext uri="{FF2B5EF4-FFF2-40B4-BE49-F238E27FC236}">
-                <a16:creationId xmlns:a16="http://schemas.microsoft.com/office/drawing/2014/main" id="{69BA6FEE-5ED3-47F4-B047-6DF5A1541194}"/>
-              </a:ext>
-            </a:extLst>
-          </p:cNvPr>
-          <p:cNvSpPr txBox="1"/>
-          <p:nvPr/>
-        </p:nvSpPr>
-        <p:spPr>
-          <a:xfrm>
-            <a:off x="2030456" y="3259996"/>
-            <a:ext cx="550151" cy="369332"/>
-          </a:xfrm>
-          <a:prstGeom prst="rect">
-            <a:avLst/>
-          </a:prstGeom>
-          <a:noFill/>
-        </p:spPr>
-        <p:txBody>
-          <a:bodyPr wrap="none" rtlCol="0">
-            <a:spAutoFit/>
-          </a:bodyPr>
-          <a:lstStyle/>
-          <a:p>
-            <a:r>
-              <a:rPr lang="fr-FR" dirty="0"/>
-              <a:t>12V</a:t>
-            </a:r>
-          </a:p>
-        </p:txBody>
-      </p:sp>
-      <p:sp>
-        <p:nvSpPr>
-          <p:cNvPr id="146" name="ZoneTexte 145">
-            <a:extLst>
-              <a:ext uri="{FF2B5EF4-FFF2-40B4-BE49-F238E27FC236}">
-                <a16:creationId xmlns:a16="http://schemas.microsoft.com/office/drawing/2014/main" id="{2F98B45B-1449-4B17-9836-7E24EAAA9F2D}"/>
-              </a:ext>
-            </a:extLst>
-          </p:cNvPr>
-          <p:cNvSpPr txBox="1"/>
-          <p:nvPr/>
-        </p:nvSpPr>
-        <p:spPr>
-          <a:xfrm>
-            <a:off x="11481588" y="1151093"/>
-            <a:ext cx="537327" cy="577081"/>
-          </a:xfrm>
-          <a:prstGeom prst="rect">
-            <a:avLst/>
-          </a:prstGeom>
-          <a:noFill/>
-        </p:spPr>
-        <p:txBody>
-          <a:bodyPr wrap="none" rtlCol="0">
-            <a:spAutoFit/>
-          </a:bodyPr>
-          <a:lstStyle/>
-          <a:p>
-            <a:r>
-              <a:rPr lang="fr-FR" sz="1050" dirty="0"/>
-              <a:t>5V</a:t>
-            </a:r>
-          </a:p>
-          <a:p>
-            <a:r>
-              <a:rPr lang="fr-FR" sz="1050" dirty="0"/>
-              <a:t>Masse</a:t>
-            </a:r>
-          </a:p>
-          <a:p>
-            <a:r>
-              <a:rPr lang="fr-FR" sz="1050" dirty="0"/>
-              <a:t>12V</a:t>
-            </a:r>
-          </a:p>
-        </p:txBody>
-      </p:sp>
-      <p:sp>
-        <p:nvSpPr>
-          <p:cNvPr id="148" name="ZoneTexte 147">
-            <a:extLst>
-              <a:ext uri="{FF2B5EF4-FFF2-40B4-BE49-F238E27FC236}">
-                <a16:creationId xmlns:a16="http://schemas.microsoft.com/office/drawing/2014/main" id="{A4139612-895F-4F34-9220-B9D8C3C0C963}"/>
-              </a:ext>
-            </a:extLst>
-          </p:cNvPr>
-          <p:cNvSpPr txBox="1"/>
-          <p:nvPr/>
-        </p:nvSpPr>
-        <p:spPr>
-          <a:xfrm>
-            <a:off x="11481587" y="2137289"/>
-            <a:ext cx="537327" cy="577081"/>
-          </a:xfrm>
-          <a:prstGeom prst="rect">
-            <a:avLst/>
-          </a:prstGeom>
-          <a:noFill/>
-        </p:spPr>
-        <p:txBody>
-          <a:bodyPr wrap="none" rtlCol="0">
-            <a:spAutoFit/>
-          </a:bodyPr>
-          <a:lstStyle/>
-          <a:p>
-            <a:r>
-              <a:rPr lang="fr-FR" sz="1050" dirty="0"/>
-              <a:t>5V</a:t>
-            </a:r>
-          </a:p>
-          <a:p>
-            <a:r>
-              <a:rPr lang="fr-FR" sz="1050" dirty="0"/>
-              <a:t>Masse</a:t>
-            </a:r>
-          </a:p>
-          <a:p>
-            <a:r>
-              <a:rPr lang="fr-FR" sz="1050" dirty="0"/>
-              <a:t>12V</a:t>
-            </a:r>
-          </a:p>
-        </p:txBody>
-      </p:sp>
-      <p:sp>
-        <p:nvSpPr>
-          <p:cNvPr id="149" name="ZoneTexte 148">
-            <a:extLst>
-              <a:ext uri="{FF2B5EF4-FFF2-40B4-BE49-F238E27FC236}">
-                <a16:creationId xmlns:a16="http://schemas.microsoft.com/office/drawing/2014/main" id="{FAD4E591-40BE-43DD-8835-82A0B18391E1}"/>
-              </a:ext>
-            </a:extLst>
-          </p:cNvPr>
-          <p:cNvSpPr txBox="1"/>
-          <p:nvPr/>
-        </p:nvSpPr>
-        <p:spPr>
-          <a:xfrm>
-            <a:off x="11428515" y="3727456"/>
-            <a:ext cx="399468" cy="738664"/>
-          </a:xfrm>
-          <a:prstGeom prst="rect">
-            <a:avLst/>
-          </a:prstGeom>
-          <a:noFill/>
-        </p:spPr>
-        <p:txBody>
-          <a:bodyPr wrap="none" rtlCol="0">
-            <a:spAutoFit/>
-          </a:bodyPr>
-          <a:lstStyle/>
-          <a:p>
-            <a:r>
-              <a:rPr lang="fr-FR" sz="1050" dirty="0"/>
-              <a:t>5V</a:t>
-            </a:r>
-          </a:p>
-          <a:p>
-            <a:r>
-              <a:rPr lang="fr-FR" sz="1050" dirty="0"/>
-              <a:t>5V</a:t>
-            </a:r>
-          </a:p>
-          <a:p>
-            <a:r>
-              <a:rPr lang="fr-FR" sz="1050" dirty="0"/>
-              <a:t>12V</a:t>
-            </a:r>
-          </a:p>
-          <a:p>
-            <a:r>
-              <a:rPr lang="fr-FR" sz="1050" dirty="0"/>
-              <a:t>12V</a:t>
-            </a:r>
-          </a:p>
-        </p:txBody>
-      </p:sp>
-      <p:sp>
-        <p:nvSpPr>
-          <p:cNvPr id="150" name="ZoneTexte 149">
-            <a:extLst>
-              <a:ext uri="{FF2B5EF4-FFF2-40B4-BE49-F238E27FC236}">
-                <a16:creationId xmlns:a16="http://schemas.microsoft.com/office/drawing/2014/main" id="{1DA837A8-2D65-4981-B191-C8F12BF7E75A}"/>
-              </a:ext>
-            </a:extLst>
-          </p:cNvPr>
-          <p:cNvSpPr txBox="1"/>
-          <p:nvPr/>
-        </p:nvSpPr>
-        <p:spPr>
-          <a:xfrm>
-            <a:off x="642813" y="1904230"/>
-            <a:ext cx="930191" cy="369332"/>
-          </a:xfrm>
-          <a:prstGeom prst="rect">
-            <a:avLst/>
-          </a:prstGeom>
-          <a:noFill/>
-        </p:spPr>
-        <p:txBody>
-          <a:bodyPr wrap="none" rtlCol="0">
-            <a:spAutoFit/>
-          </a:bodyPr>
-          <a:lstStyle/>
-          <a:p>
-            <a:r>
-              <a:rPr lang="fr-FR" dirty="0"/>
-              <a:t>Batterie</a:t>
+              <a:rPr lang="fr-FR" sz="2800" dirty="0"/>
+              <a:t>KOSMOS mono</a:t>
             </a:r>
           </a:p>
         </p:txBody>
@@ -8721,333 +8208,338 @@
           </a:prstGeom>
         </p:spPr>
       </p:pic>
-      <p:cxnSp>
-        <p:nvCxnSpPr>
-          <p:cNvPr id="124" name="Connecteur droit 123">
-            <a:extLst>
-              <a:ext uri="{FF2B5EF4-FFF2-40B4-BE49-F238E27FC236}">
-                <a16:creationId xmlns:a16="http://schemas.microsoft.com/office/drawing/2014/main" id="{CEF33C66-894D-4B0C-9A74-850210E1D432}"/>
-              </a:ext>
-            </a:extLst>
-          </p:cNvPr>
-          <p:cNvCxnSpPr>
-            <a:cxnSpLocks/>
-          </p:cNvCxnSpPr>
-          <p:nvPr/>
-        </p:nvCxnSpPr>
-        <p:spPr>
-          <a:xfrm flipH="1">
-            <a:off x="1474047" y="5119244"/>
-            <a:ext cx="1706880" cy="0"/>
-          </a:xfrm>
-          <a:prstGeom prst="line">
-            <a:avLst/>
-          </a:prstGeom>
-          <a:ln w="57150">
-            <a:solidFill>
-              <a:schemeClr val="bg2"/>
-            </a:solidFill>
-          </a:ln>
-        </p:spPr>
-        <p:style>
-          <a:lnRef idx="1">
-            <a:schemeClr val="accent1"/>
-          </a:lnRef>
-          <a:fillRef idx="0">
-            <a:schemeClr val="accent1"/>
-          </a:fillRef>
-          <a:effectRef idx="0">
-            <a:schemeClr val="accent1"/>
-          </a:effectRef>
-          <a:fontRef idx="minor">
-            <a:schemeClr val="tx1"/>
-          </a:fontRef>
-        </p:style>
-      </p:cxnSp>
-      <p:cxnSp>
-        <p:nvCxnSpPr>
-          <p:cNvPr id="125" name="Connecteur droit 124">
-            <a:extLst>
-              <a:ext uri="{FF2B5EF4-FFF2-40B4-BE49-F238E27FC236}">
-                <a16:creationId xmlns:a16="http://schemas.microsoft.com/office/drawing/2014/main" id="{19DFCDA0-B141-47E1-8561-38240EA7A9A3}"/>
-              </a:ext>
-            </a:extLst>
-          </p:cNvPr>
-          <p:cNvCxnSpPr>
-            <a:cxnSpLocks/>
-          </p:cNvCxnSpPr>
-          <p:nvPr/>
-        </p:nvCxnSpPr>
-        <p:spPr>
-          <a:xfrm flipH="1">
-            <a:off x="1481032" y="5231731"/>
-            <a:ext cx="1706880" cy="0"/>
-          </a:xfrm>
-          <a:prstGeom prst="line">
-            <a:avLst/>
-          </a:prstGeom>
-          <a:ln w="57150">
-            <a:solidFill>
-              <a:schemeClr val="tx1"/>
-            </a:solidFill>
-          </a:ln>
-        </p:spPr>
-        <p:style>
-          <a:lnRef idx="1">
-            <a:schemeClr val="accent1"/>
-          </a:lnRef>
-          <a:fillRef idx="0">
-            <a:schemeClr val="accent1"/>
-          </a:fillRef>
-          <a:effectRef idx="0">
-            <a:schemeClr val="accent1"/>
-          </a:effectRef>
-          <a:fontRef idx="minor">
-            <a:schemeClr val="tx1"/>
-          </a:fontRef>
-        </p:style>
-      </p:cxnSp>
-      <p:cxnSp>
-        <p:nvCxnSpPr>
-          <p:cNvPr id="126" name="Connecteur droit 125">
-            <a:extLst>
-              <a:ext uri="{FF2B5EF4-FFF2-40B4-BE49-F238E27FC236}">
-                <a16:creationId xmlns:a16="http://schemas.microsoft.com/office/drawing/2014/main" id="{E691D7B1-CB55-4AC0-A82E-63B26813F264}"/>
-              </a:ext>
-            </a:extLst>
-          </p:cNvPr>
-          <p:cNvCxnSpPr>
-            <a:cxnSpLocks/>
-          </p:cNvCxnSpPr>
-          <p:nvPr/>
-        </p:nvCxnSpPr>
-        <p:spPr>
-          <a:xfrm flipH="1">
-            <a:off x="1474047" y="5373244"/>
-            <a:ext cx="1706880" cy="0"/>
-          </a:xfrm>
-          <a:prstGeom prst="line">
-            <a:avLst/>
-          </a:prstGeom>
-          <a:ln w="57150">
-            <a:solidFill>
-              <a:srgbClr val="00B050"/>
-            </a:solidFill>
-          </a:ln>
-        </p:spPr>
-        <p:style>
-          <a:lnRef idx="1">
-            <a:schemeClr val="accent1"/>
-          </a:lnRef>
-          <a:fillRef idx="0">
-            <a:schemeClr val="accent1"/>
-          </a:fillRef>
-          <a:effectRef idx="0">
-            <a:schemeClr val="accent1"/>
-          </a:effectRef>
-          <a:fontRef idx="minor">
-            <a:schemeClr val="tx1"/>
-          </a:fontRef>
-        </p:style>
-      </p:cxnSp>
-      <p:cxnSp>
-        <p:nvCxnSpPr>
-          <p:cNvPr id="127" name="Connecteur droit 126">
-            <a:extLst>
-              <a:ext uri="{FF2B5EF4-FFF2-40B4-BE49-F238E27FC236}">
-                <a16:creationId xmlns:a16="http://schemas.microsoft.com/office/drawing/2014/main" id="{5B810817-2816-4659-B5A6-B313B57780A9}"/>
-              </a:ext>
-            </a:extLst>
-          </p:cNvPr>
-          <p:cNvCxnSpPr>
-            <a:cxnSpLocks/>
-          </p:cNvCxnSpPr>
-          <p:nvPr/>
-        </p:nvCxnSpPr>
-        <p:spPr>
-          <a:xfrm flipH="1">
-            <a:off x="1481032" y="5485731"/>
-            <a:ext cx="1706880" cy="0"/>
-          </a:xfrm>
-          <a:prstGeom prst="line">
-            <a:avLst/>
-          </a:prstGeom>
-          <a:ln w="57150">
-            <a:solidFill>
-              <a:srgbClr val="FF0000"/>
-            </a:solidFill>
-          </a:ln>
-        </p:spPr>
-        <p:style>
-          <a:lnRef idx="1">
-            <a:schemeClr val="accent1"/>
-          </a:lnRef>
-          <a:fillRef idx="0">
-            <a:schemeClr val="accent1"/>
-          </a:fillRef>
-          <a:effectRef idx="0">
-            <a:schemeClr val="accent1"/>
-          </a:effectRef>
-          <a:fontRef idx="minor">
-            <a:schemeClr val="tx1"/>
-          </a:fontRef>
-        </p:style>
-      </p:cxnSp>
-      <p:pic>
-        <p:nvPicPr>
-          <p:cNvPr id="123" name="Image 122">
-            <a:extLst>
-              <a:ext uri="{FF2B5EF4-FFF2-40B4-BE49-F238E27FC236}">
-                <a16:creationId xmlns:a16="http://schemas.microsoft.com/office/drawing/2014/main" id="{EC0C9A07-BE6A-4202-91C3-86330B3F5583}"/>
-              </a:ext>
-            </a:extLst>
-          </p:cNvPr>
-          <p:cNvPicPr>
-            <a:picLocks noChangeAspect="1"/>
-          </p:cNvPicPr>
-          <p:nvPr/>
-        </p:nvPicPr>
-        <p:blipFill rotWithShape="1">
-          <a:blip r:embed="rId9"/>
-          <a:srcRect l="21740" t="28976" r="19215" b="27153"/>
-          <a:stretch/>
-        </p:blipFill>
+      <p:sp>
+        <p:nvSpPr>
+          <p:cNvPr id="143" name="ZoneTexte 142">
+            <a:extLst>
+              <a:ext uri="{FF2B5EF4-FFF2-40B4-BE49-F238E27FC236}">
+                <a16:creationId xmlns:a16="http://schemas.microsoft.com/office/drawing/2014/main" id="{6341568B-7ACA-4DB1-831C-D7B4AA7B9635}"/>
+              </a:ext>
+            </a:extLst>
+          </p:cNvPr>
+          <p:cNvSpPr txBox="1"/>
+          <p:nvPr/>
+        </p:nvSpPr>
         <p:spPr>
           <a:xfrm>
-            <a:off x="410376" y="4934524"/>
-            <a:ext cx="1130300" cy="826447"/>
+            <a:off x="6551554" y="4941779"/>
+            <a:ext cx="1167307" cy="261610"/>
           </a:xfrm>
           <a:prstGeom prst="rect">
             <a:avLst/>
           </a:prstGeom>
-        </p:spPr>
-      </p:pic>
-      <p:sp>
-        <p:nvSpPr>
-          <p:cNvPr id="128" name="Ellipse 127">
-            <a:extLst>
-              <a:ext uri="{FF2B5EF4-FFF2-40B4-BE49-F238E27FC236}">
-                <a16:creationId xmlns:a16="http://schemas.microsoft.com/office/drawing/2014/main" id="{EF03578C-3E45-445F-BBEF-9866C4924B8C}"/>
-              </a:ext>
-            </a:extLst>
-          </p:cNvPr>
-          <p:cNvSpPr/>
+          <a:noFill/>
+        </p:spPr>
+        <p:txBody>
+          <a:bodyPr wrap="none" rtlCol="0">
+            <a:spAutoFit/>
+          </a:bodyPr>
+          <a:lstStyle/>
+          <a:p>
+            <a:r>
+              <a:rPr lang="fr-FR" sz="1100" dirty="0" err="1"/>
+              <a:t>Wago</a:t>
+            </a:r>
+            <a:r>
+              <a:rPr lang="fr-FR" sz="1100" dirty="0"/>
+              <a:t> ou domino</a:t>
+            </a:r>
+          </a:p>
+        </p:txBody>
+      </p:sp>
+      <p:sp>
+        <p:nvSpPr>
+          <p:cNvPr id="144" name="ZoneTexte 143">
+            <a:extLst>
+              <a:ext uri="{FF2B5EF4-FFF2-40B4-BE49-F238E27FC236}">
+                <a16:creationId xmlns:a16="http://schemas.microsoft.com/office/drawing/2014/main" id="{57E793D7-1A90-4888-B5B1-7834A16E5FB1}"/>
+              </a:ext>
+            </a:extLst>
+          </p:cNvPr>
+          <p:cNvSpPr txBox="1"/>
           <p:nvPr/>
         </p:nvSpPr>
         <p:spPr>
           <a:xfrm>
-            <a:off x="2975211" y="5078438"/>
-            <a:ext cx="262255" cy="185351"/>
-          </a:xfrm>
-          <a:prstGeom prst="ellipse">
-            <a:avLst/>
-          </a:prstGeom>
-          <a:solidFill>
-            <a:schemeClr val="tx1">
-              <a:lumMod val="65000"/>
-              <a:lumOff val="35000"/>
-            </a:schemeClr>
-          </a:solidFill>
-          <a:ln>
-            <a:solidFill>
-              <a:schemeClr val="tx1">
-                <a:lumMod val="65000"/>
-                <a:lumOff val="35000"/>
-              </a:schemeClr>
-            </a:solidFill>
-          </a:ln>
-        </p:spPr>
-        <p:style>
-          <a:lnRef idx="2">
-            <a:schemeClr val="accent1">
-              <a:shade val="50000"/>
-            </a:schemeClr>
-          </a:lnRef>
-          <a:fillRef idx="1">
-            <a:schemeClr val="accent1"/>
-          </a:fillRef>
-          <a:effectRef idx="0">
-            <a:schemeClr val="accent1"/>
-          </a:effectRef>
-          <a:fontRef idx="minor">
-            <a:schemeClr val="lt1"/>
-          </a:fontRef>
-        </p:style>
-        <p:txBody>
-          <a:bodyPr rtlCol="0" anchor="ctr"/>
+            <a:off x="1925572" y="2690719"/>
+            <a:ext cx="787395" cy="369332"/>
+          </a:xfrm>
+          <a:prstGeom prst="rect">
+            <a:avLst/>
+          </a:prstGeom>
+          <a:noFill/>
+        </p:spPr>
+        <p:txBody>
+          <a:bodyPr wrap="none" rtlCol="0">
+            <a:spAutoFit/>
+          </a:bodyPr>
           <a:lstStyle/>
           <a:p>
-            <a:pPr algn="ctr"/>
-            <a:endParaRPr lang="fr-FR"/>
-          </a:p>
-        </p:txBody>
-      </p:sp>
-      <p:sp>
-        <p:nvSpPr>
-          <p:cNvPr id="129" name="Ellipse 128">
-            <a:extLst>
-              <a:ext uri="{FF2B5EF4-FFF2-40B4-BE49-F238E27FC236}">
-                <a16:creationId xmlns:a16="http://schemas.microsoft.com/office/drawing/2014/main" id="{40938F2F-B0B4-441A-AB6F-EA1330861709}"/>
-              </a:ext>
-            </a:extLst>
-          </p:cNvPr>
-          <p:cNvSpPr/>
+            <a:r>
+              <a:rPr lang="fr-FR" dirty="0"/>
+              <a:t>Masse</a:t>
+            </a:r>
+          </a:p>
+        </p:txBody>
+      </p:sp>
+      <p:sp>
+        <p:nvSpPr>
+          <p:cNvPr id="145" name="ZoneTexte 144">
+            <a:extLst>
+              <a:ext uri="{FF2B5EF4-FFF2-40B4-BE49-F238E27FC236}">
+                <a16:creationId xmlns:a16="http://schemas.microsoft.com/office/drawing/2014/main" id="{69BA6FEE-5ED3-47F4-B047-6DF5A1541194}"/>
+              </a:ext>
+            </a:extLst>
+          </p:cNvPr>
+          <p:cNvSpPr txBox="1"/>
           <p:nvPr/>
         </p:nvSpPr>
         <p:spPr>
           <a:xfrm>
-            <a:off x="2968250" y="5344218"/>
-            <a:ext cx="262255" cy="185351"/>
-          </a:xfrm>
-          <a:prstGeom prst="ellipse">
-            <a:avLst/>
-          </a:prstGeom>
-          <a:solidFill>
-            <a:schemeClr val="tx1">
-              <a:lumMod val="65000"/>
-              <a:lumOff val="35000"/>
-            </a:schemeClr>
-          </a:solidFill>
-          <a:ln>
-            <a:solidFill>
-              <a:schemeClr val="tx1">
-                <a:lumMod val="65000"/>
-                <a:lumOff val="35000"/>
-              </a:schemeClr>
-            </a:solidFill>
-          </a:ln>
-        </p:spPr>
-        <p:style>
-          <a:lnRef idx="2">
-            <a:schemeClr val="accent1">
-              <a:shade val="50000"/>
-            </a:schemeClr>
-          </a:lnRef>
-          <a:fillRef idx="1">
-            <a:schemeClr val="accent1"/>
-          </a:fillRef>
-          <a:effectRef idx="0">
-            <a:schemeClr val="accent1"/>
-          </a:effectRef>
-          <a:fontRef idx="minor">
-            <a:schemeClr val="lt1"/>
-          </a:fontRef>
-        </p:style>
-        <p:txBody>
-          <a:bodyPr rtlCol="0" anchor="ctr"/>
+            <a:off x="2030456" y="3259996"/>
+            <a:ext cx="550151" cy="369332"/>
+          </a:xfrm>
+          <a:prstGeom prst="rect">
+            <a:avLst/>
+          </a:prstGeom>
+          <a:noFill/>
+        </p:spPr>
+        <p:txBody>
+          <a:bodyPr wrap="none" rtlCol="0">
+            <a:spAutoFit/>
+          </a:bodyPr>
           <a:lstStyle/>
           <a:p>
-            <a:pPr algn="ctr"/>
-            <a:endParaRPr lang="fr-FR"/>
+            <a:r>
+              <a:rPr lang="fr-FR" dirty="0"/>
+              <a:t>12V</a:t>
+            </a:r>
+          </a:p>
+        </p:txBody>
+      </p:sp>
+      <p:sp>
+        <p:nvSpPr>
+          <p:cNvPr id="146" name="ZoneTexte 145">
+            <a:extLst>
+              <a:ext uri="{FF2B5EF4-FFF2-40B4-BE49-F238E27FC236}">
+                <a16:creationId xmlns:a16="http://schemas.microsoft.com/office/drawing/2014/main" id="{2F98B45B-1449-4B17-9836-7E24EAAA9F2D}"/>
+              </a:ext>
+            </a:extLst>
+          </p:cNvPr>
+          <p:cNvSpPr txBox="1"/>
+          <p:nvPr/>
+        </p:nvSpPr>
+        <p:spPr>
+          <a:xfrm>
+            <a:off x="10765844" y="1125053"/>
+            <a:ext cx="873957" cy="577081"/>
+          </a:xfrm>
+          <a:prstGeom prst="rect">
+            <a:avLst/>
+          </a:prstGeom>
+          <a:noFill/>
+        </p:spPr>
+        <p:txBody>
+          <a:bodyPr wrap="none" rtlCol="0">
+            <a:spAutoFit/>
+          </a:bodyPr>
+          <a:lstStyle/>
+          <a:p>
+            <a:r>
+              <a:rPr lang="fr-FR" sz="1050" dirty="0"/>
+              <a:t>5V</a:t>
+            </a:r>
+          </a:p>
+          <a:p>
+            <a:r>
+              <a:rPr lang="fr-FR" sz="1050" dirty="0"/>
+              <a:t>Masse</a:t>
+            </a:r>
+          </a:p>
+          <a:p>
+            <a:r>
+              <a:rPr lang="fr-FR" sz="1050" dirty="0"/>
+              <a:t>Nappe vidéo</a:t>
+            </a:r>
+          </a:p>
+        </p:txBody>
+      </p:sp>
+      <p:sp>
+        <p:nvSpPr>
+          <p:cNvPr id="148" name="ZoneTexte 147">
+            <a:extLst>
+              <a:ext uri="{FF2B5EF4-FFF2-40B4-BE49-F238E27FC236}">
+                <a16:creationId xmlns:a16="http://schemas.microsoft.com/office/drawing/2014/main" id="{A4139612-895F-4F34-9220-B9D8C3C0C963}"/>
+              </a:ext>
+            </a:extLst>
+          </p:cNvPr>
+          <p:cNvSpPr txBox="1"/>
+          <p:nvPr/>
+        </p:nvSpPr>
+        <p:spPr>
+          <a:xfrm>
+            <a:off x="11481587" y="2137289"/>
+            <a:ext cx="537327" cy="577081"/>
+          </a:xfrm>
+          <a:prstGeom prst="rect">
+            <a:avLst/>
+          </a:prstGeom>
+          <a:noFill/>
+        </p:spPr>
+        <p:txBody>
+          <a:bodyPr wrap="none" rtlCol="0">
+            <a:spAutoFit/>
+          </a:bodyPr>
+          <a:lstStyle/>
+          <a:p>
+            <a:r>
+              <a:rPr lang="fr-FR" sz="1050" dirty="0"/>
+              <a:t>5V</a:t>
+            </a:r>
+          </a:p>
+          <a:p>
+            <a:r>
+              <a:rPr lang="fr-FR" sz="1050" dirty="0"/>
+              <a:t>Masse</a:t>
+            </a:r>
+          </a:p>
+          <a:p>
+            <a:r>
+              <a:rPr lang="fr-FR" sz="1050" dirty="0"/>
+              <a:t>12V</a:t>
+            </a:r>
+          </a:p>
+        </p:txBody>
+      </p:sp>
+      <p:sp>
+        <p:nvSpPr>
+          <p:cNvPr id="149" name="ZoneTexte 148">
+            <a:extLst>
+              <a:ext uri="{FF2B5EF4-FFF2-40B4-BE49-F238E27FC236}">
+                <a16:creationId xmlns:a16="http://schemas.microsoft.com/office/drawing/2014/main" id="{FAD4E591-40BE-43DD-8835-82A0B18391E1}"/>
+              </a:ext>
+            </a:extLst>
+          </p:cNvPr>
+          <p:cNvSpPr txBox="1"/>
+          <p:nvPr/>
+        </p:nvSpPr>
+        <p:spPr>
+          <a:xfrm>
+            <a:off x="11428515" y="3727456"/>
+            <a:ext cx="399468" cy="738664"/>
+          </a:xfrm>
+          <a:prstGeom prst="rect">
+            <a:avLst/>
+          </a:prstGeom>
+          <a:noFill/>
+        </p:spPr>
+        <p:txBody>
+          <a:bodyPr wrap="none" rtlCol="0">
+            <a:spAutoFit/>
+          </a:bodyPr>
+          <a:lstStyle/>
+          <a:p>
+            <a:r>
+              <a:rPr lang="fr-FR" sz="1050" dirty="0"/>
+              <a:t>5V</a:t>
+            </a:r>
+          </a:p>
+          <a:p>
+            <a:r>
+              <a:rPr lang="fr-FR" sz="1050" dirty="0"/>
+              <a:t>5V</a:t>
+            </a:r>
+          </a:p>
+          <a:p>
+            <a:r>
+              <a:rPr lang="fr-FR" sz="1050" dirty="0"/>
+              <a:t>12V</a:t>
+            </a:r>
+          </a:p>
+          <a:p>
+            <a:r>
+              <a:rPr lang="fr-FR" sz="1050" dirty="0"/>
+              <a:t>12V</a:t>
+            </a:r>
+          </a:p>
+        </p:txBody>
+      </p:sp>
+      <p:sp>
+        <p:nvSpPr>
+          <p:cNvPr id="75" name="ZoneTexte 74">
+            <a:extLst>
+              <a:ext uri="{FF2B5EF4-FFF2-40B4-BE49-F238E27FC236}">
+                <a16:creationId xmlns:a16="http://schemas.microsoft.com/office/drawing/2014/main" id="{C241997E-4052-4DDC-98CC-6425C592FAFD}"/>
+              </a:ext>
+            </a:extLst>
+          </p:cNvPr>
+          <p:cNvSpPr txBox="1"/>
+          <p:nvPr/>
+        </p:nvSpPr>
+        <p:spPr>
+          <a:xfrm>
+            <a:off x="642813" y="1904230"/>
+            <a:ext cx="930191" cy="369332"/>
+          </a:xfrm>
+          <a:prstGeom prst="rect">
+            <a:avLst/>
+          </a:prstGeom>
+          <a:noFill/>
+        </p:spPr>
+        <p:txBody>
+          <a:bodyPr wrap="none" rtlCol="0">
+            <a:spAutoFit/>
+          </a:bodyPr>
+          <a:lstStyle/>
+          <a:p>
+            <a:r>
+              <a:rPr lang="fr-FR" dirty="0"/>
+              <a:t>Batterie</a:t>
+            </a:r>
+          </a:p>
+        </p:txBody>
+      </p:sp>
+      <p:sp>
+        <p:nvSpPr>
+          <p:cNvPr id="73" name="ZoneTexte 72">
+            <a:extLst>
+              <a:ext uri="{FF2B5EF4-FFF2-40B4-BE49-F238E27FC236}">
+                <a16:creationId xmlns:a16="http://schemas.microsoft.com/office/drawing/2014/main" id="{FF0BA215-A913-4002-B465-BE7E8D601FB8}"/>
+              </a:ext>
+            </a:extLst>
+          </p:cNvPr>
+          <p:cNvSpPr txBox="1"/>
+          <p:nvPr/>
+        </p:nvSpPr>
+        <p:spPr>
+          <a:xfrm>
+            <a:off x="736415" y="4911822"/>
+            <a:ext cx="2588081" cy="369332"/>
+          </a:xfrm>
+          <a:prstGeom prst="rect">
+            <a:avLst/>
+          </a:prstGeom>
+          <a:noFill/>
+        </p:spPr>
+        <p:txBody>
+          <a:bodyPr wrap="none" rtlCol="0">
+            <a:spAutoFit/>
+          </a:bodyPr>
+          <a:lstStyle/>
+          <a:p>
+            <a:r>
+              <a:rPr lang="fr-FR" dirty="0"/>
+              <a:t>Shunt de fonctionnement</a:t>
+            </a:r>
           </a:p>
         </p:txBody>
       </p:sp>
       <p:grpSp>
         <p:nvGrpSpPr>
-          <p:cNvPr id="137" name="Groupe 136">
-            <a:extLst>
-              <a:ext uri="{FF2B5EF4-FFF2-40B4-BE49-F238E27FC236}">
-                <a16:creationId xmlns:a16="http://schemas.microsoft.com/office/drawing/2014/main" id="{93373196-D948-4FB6-A28B-4A012AB797B7}"/>
+          <p:cNvPr id="76" name="Groupe 75">
+            <a:extLst>
+              <a:ext uri="{FF2B5EF4-FFF2-40B4-BE49-F238E27FC236}">
+                <a16:creationId xmlns:a16="http://schemas.microsoft.com/office/drawing/2014/main" id="{D32F0BBC-7931-4CDD-9B00-2627AD464E7C}"/>
               </a:ext>
             </a:extLst>
           </p:cNvPr>
@@ -9056,190 +8548,48 @@
         </p:nvGrpSpPr>
         <p:grpSpPr>
           <a:xfrm>
-            <a:off x="417337" y="5902483"/>
-            <a:ext cx="2820129" cy="826447"/>
-            <a:chOff x="8266731" y="5463764"/>
-            <a:chExt cx="2820129" cy="826447"/>
+            <a:off x="332524" y="5186811"/>
+            <a:ext cx="3202355" cy="691807"/>
+            <a:chOff x="1275049" y="5975236"/>
+            <a:chExt cx="3202355" cy="691807"/>
           </a:xfrm>
         </p:grpSpPr>
-        <p:cxnSp>
-          <p:nvCxnSpPr>
-            <p:cNvPr id="130" name="Connecteur droit 129">
+        <p:pic>
+          <p:nvPicPr>
+            <p:cNvPr id="77" name="Image 76">
               <a:extLst>
                 <a:ext uri="{FF2B5EF4-FFF2-40B4-BE49-F238E27FC236}">
-                  <a16:creationId xmlns:a16="http://schemas.microsoft.com/office/drawing/2014/main" id="{BC088759-7B3E-46FE-8466-3F06D30745A7}"/>
+                  <a16:creationId xmlns:a16="http://schemas.microsoft.com/office/drawing/2014/main" id="{014A79F0-EFEA-46FA-A8C8-D383FEF5B711}"/>
                 </a:ext>
               </a:extLst>
             </p:cNvPr>
-            <p:cNvCxnSpPr>
-              <a:cxnSpLocks/>
-            </p:cNvCxnSpPr>
+            <p:cNvPicPr>
+              <a:picLocks noChangeAspect="1"/>
+            </p:cNvPicPr>
             <p:nvPr/>
-          </p:nvCxnSpPr>
+          </p:nvPicPr>
+          <p:blipFill>
+            <a:blip r:embed="rId9"/>
+            <a:stretch>
+              <a:fillRect/>
+            </a:stretch>
+          </p:blipFill>
           <p:spPr>
-            <a:xfrm flipH="1">
-              <a:off x="9330402" y="5648484"/>
-              <a:ext cx="1706880" cy="0"/>
+            <a:xfrm>
+              <a:off x="3343323" y="6176369"/>
+              <a:ext cx="1134081" cy="284959"/>
             </a:xfrm>
-            <a:prstGeom prst="line">
+            <a:prstGeom prst="rect">
               <a:avLst/>
             </a:prstGeom>
-            <a:ln w="57150">
-              <a:solidFill>
-                <a:schemeClr val="bg2"/>
-              </a:solidFill>
-            </a:ln>
           </p:spPr>
-          <p:style>
-            <a:lnRef idx="1">
-              <a:schemeClr val="accent1"/>
-            </a:lnRef>
-            <a:fillRef idx="0">
-              <a:schemeClr val="accent1"/>
-            </a:fillRef>
-            <a:effectRef idx="0">
-              <a:schemeClr val="accent1"/>
-            </a:effectRef>
-            <a:fontRef idx="minor">
-              <a:schemeClr val="tx1"/>
-            </a:fontRef>
-          </p:style>
-        </p:cxnSp>
-        <p:cxnSp>
-          <p:nvCxnSpPr>
-            <p:cNvPr id="131" name="Connecteur droit 130">
+        </p:pic>
+        <p:pic>
+          <p:nvPicPr>
+            <p:cNvPr id="78" name="Image 77">
               <a:extLst>
                 <a:ext uri="{FF2B5EF4-FFF2-40B4-BE49-F238E27FC236}">
-                  <a16:creationId xmlns:a16="http://schemas.microsoft.com/office/drawing/2014/main" id="{9DCC6851-2DBC-4079-A699-D711B6803253}"/>
-                </a:ext>
-              </a:extLst>
-            </p:cNvPr>
-            <p:cNvCxnSpPr>
-              <a:cxnSpLocks/>
-            </p:cNvCxnSpPr>
-            <p:nvPr/>
-          </p:nvCxnSpPr>
-          <p:spPr>
-            <a:xfrm flipH="1">
-              <a:off x="9337387" y="5760971"/>
-              <a:ext cx="1706880" cy="0"/>
-            </a:xfrm>
-            <a:prstGeom prst="line">
-              <a:avLst/>
-            </a:prstGeom>
-            <a:ln w="57150">
-              <a:solidFill>
-                <a:schemeClr val="tx1"/>
-              </a:solidFill>
-            </a:ln>
-          </p:spPr>
-          <p:style>
-            <a:lnRef idx="1">
-              <a:schemeClr val="accent1"/>
-            </a:lnRef>
-            <a:fillRef idx="0">
-              <a:schemeClr val="accent1"/>
-            </a:fillRef>
-            <a:effectRef idx="0">
-              <a:schemeClr val="accent1"/>
-            </a:effectRef>
-            <a:fontRef idx="minor">
-              <a:schemeClr val="tx1"/>
-            </a:fontRef>
-          </p:style>
-        </p:cxnSp>
-        <p:cxnSp>
-          <p:nvCxnSpPr>
-            <p:cNvPr id="132" name="Connecteur droit 131">
-              <a:extLst>
-                <a:ext uri="{FF2B5EF4-FFF2-40B4-BE49-F238E27FC236}">
-                  <a16:creationId xmlns:a16="http://schemas.microsoft.com/office/drawing/2014/main" id="{178F51CD-1840-424A-935E-CB6CF350F3AC}"/>
-                </a:ext>
-              </a:extLst>
-            </p:cNvPr>
-            <p:cNvCxnSpPr>
-              <a:cxnSpLocks/>
-            </p:cNvCxnSpPr>
-            <p:nvPr/>
-          </p:nvCxnSpPr>
-          <p:spPr>
-            <a:xfrm flipH="1">
-              <a:off x="9330402" y="5902484"/>
-              <a:ext cx="1706880" cy="0"/>
-            </a:xfrm>
-            <a:prstGeom prst="line">
-              <a:avLst/>
-            </a:prstGeom>
-            <a:ln w="57150">
-              <a:solidFill>
-                <a:srgbClr val="00B050"/>
-              </a:solidFill>
-            </a:ln>
-          </p:spPr>
-          <p:style>
-            <a:lnRef idx="1">
-              <a:schemeClr val="accent1"/>
-            </a:lnRef>
-            <a:fillRef idx="0">
-              <a:schemeClr val="accent1"/>
-            </a:fillRef>
-            <a:effectRef idx="0">
-              <a:schemeClr val="accent1"/>
-            </a:effectRef>
-            <a:fontRef idx="minor">
-              <a:schemeClr val="tx1"/>
-            </a:fontRef>
-          </p:style>
-        </p:cxnSp>
-        <p:cxnSp>
-          <p:nvCxnSpPr>
-            <p:cNvPr id="133" name="Connecteur droit 132">
-              <a:extLst>
-                <a:ext uri="{FF2B5EF4-FFF2-40B4-BE49-F238E27FC236}">
-                  <a16:creationId xmlns:a16="http://schemas.microsoft.com/office/drawing/2014/main" id="{D6AC9BAF-FEF5-4B95-9767-B4FE3C5E58B1}"/>
-                </a:ext>
-              </a:extLst>
-            </p:cNvPr>
-            <p:cNvCxnSpPr>
-              <a:cxnSpLocks/>
-            </p:cNvCxnSpPr>
-            <p:nvPr/>
-          </p:nvCxnSpPr>
-          <p:spPr>
-            <a:xfrm flipH="1">
-              <a:off x="9337387" y="6014971"/>
-              <a:ext cx="1706880" cy="0"/>
-            </a:xfrm>
-            <a:prstGeom prst="line">
-              <a:avLst/>
-            </a:prstGeom>
-            <a:ln w="57150">
-              <a:solidFill>
-                <a:srgbClr val="FF0000"/>
-              </a:solidFill>
-            </a:ln>
-          </p:spPr>
-          <p:style>
-            <a:lnRef idx="1">
-              <a:schemeClr val="accent1"/>
-            </a:lnRef>
-            <a:fillRef idx="0">
-              <a:schemeClr val="accent1"/>
-            </a:fillRef>
-            <a:effectRef idx="0">
-              <a:schemeClr val="accent1"/>
-            </a:effectRef>
-            <a:fontRef idx="minor">
-              <a:schemeClr val="tx1"/>
-            </a:fontRef>
-          </p:style>
-        </p:cxnSp>
-        <p:pic>
-          <p:nvPicPr>
-            <p:cNvPr id="134" name="Image 133">
-              <a:extLst>
-                <a:ext uri="{FF2B5EF4-FFF2-40B4-BE49-F238E27FC236}">
-                  <a16:creationId xmlns:a16="http://schemas.microsoft.com/office/drawing/2014/main" id="{0AB82BA7-39D8-4A2E-AD3D-C6181F66048B}"/>
+                  <a16:creationId xmlns:a16="http://schemas.microsoft.com/office/drawing/2014/main" id="{52BDC54E-CE88-4745-B8B7-ACD1DAAAEE01}"/>
                 </a:ext>
               </a:extLst>
             </p:cNvPr>
@@ -9249,87 +8599,27 @@
             <p:nvPr/>
           </p:nvPicPr>
           <p:blipFill rotWithShape="1">
-            <a:blip r:embed="rId9"/>
-            <a:srcRect l="21740" t="28976" r="19215" b="27153"/>
+            <a:blip r:embed="rId10"/>
+            <a:srcRect l="19579" t="43091" r="36315" b="43004"/>
             <a:stretch/>
           </p:blipFill>
           <p:spPr>
             <a:xfrm>
-              <a:off x="8266731" y="5463764"/>
-              <a:ext cx="1130300" cy="826447"/>
+              <a:off x="1275049" y="5975236"/>
+              <a:ext cx="2197653" cy="691807"/>
             </a:xfrm>
             <a:prstGeom prst="rect">
               <a:avLst/>
             </a:prstGeom>
           </p:spPr>
         </p:pic>
-        <p:sp>
-          <p:nvSpPr>
-            <p:cNvPr id="136" name="Ellipse 135">
-              <a:extLst>
-                <a:ext uri="{FF2B5EF4-FFF2-40B4-BE49-F238E27FC236}">
-                  <a16:creationId xmlns:a16="http://schemas.microsoft.com/office/drawing/2014/main" id="{A7D8BA59-0538-406B-A621-75993EFA41BC}"/>
-                </a:ext>
-              </a:extLst>
-            </p:cNvPr>
-            <p:cNvSpPr/>
-            <p:nvPr/>
-          </p:nvSpPr>
-          <p:spPr>
-            <a:xfrm>
-              <a:off x="10824605" y="5873458"/>
-              <a:ext cx="262255" cy="185351"/>
-            </a:xfrm>
-            <a:prstGeom prst="ellipse">
-              <a:avLst/>
-            </a:prstGeom>
-            <a:solidFill>
-              <a:schemeClr val="tx1">
-                <a:lumMod val="65000"/>
-                <a:lumOff val="35000"/>
-              </a:schemeClr>
-            </a:solidFill>
-            <a:ln>
-              <a:solidFill>
-                <a:schemeClr val="tx1">
-                  <a:lumMod val="65000"/>
-                  <a:lumOff val="35000"/>
-                </a:schemeClr>
-              </a:solidFill>
-            </a:ln>
-          </p:spPr>
-          <p:style>
-            <a:lnRef idx="2">
-              <a:schemeClr val="accent1">
-                <a:shade val="50000"/>
-              </a:schemeClr>
-            </a:lnRef>
-            <a:fillRef idx="1">
-              <a:schemeClr val="accent1"/>
-            </a:fillRef>
-            <a:effectRef idx="0">
-              <a:schemeClr val="accent1"/>
-            </a:effectRef>
-            <a:fontRef idx="minor">
-              <a:schemeClr val="lt1"/>
-            </a:fontRef>
-          </p:style>
-          <p:txBody>
-            <a:bodyPr rtlCol="0" anchor="ctr"/>
-            <a:lstStyle/>
-            <a:p>
-              <a:pPr algn="ctr"/>
-              <a:endParaRPr lang="fr-FR"/>
-            </a:p>
-          </p:txBody>
-        </p:sp>
       </p:grpSp>
       <p:sp>
         <p:nvSpPr>
-          <p:cNvPr id="138" name="ZoneTexte 137">
-            <a:extLst>
-              <a:ext uri="{FF2B5EF4-FFF2-40B4-BE49-F238E27FC236}">
-                <a16:creationId xmlns:a16="http://schemas.microsoft.com/office/drawing/2014/main" id="{9B1CBD1B-A930-403E-8164-33BD868AC040}"/>
+          <p:cNvPr id="79" name="ZoneTexte 78">
+            <a:extLst>
+              <a:ext uri="{FF2B5EF4-FFF2-40B4-BE49-F238E27FC236}">
+                <a16:creationId xmlns:a16="http://schemas.microsoft.com/office/drawing/2014/main" id="{8F1C8F38-1FD9-4F8A-82E2-A0DA296B6343}"/>
               </a:ext>
             </a:extLst>
           </p:cNvPr>
@@ -9338,8 +8628,8 @@
         </p:nvSpPr>
         <p:spPr>
           <a:xfrm>
-            <a:off x="649385" y="4692247"/>
-            <a:ext cx="2588081" cy="369332"/>
+            <a:off x="491888" y="5779693"/>
+            <a:ext cx="1703543" cy="369332"/>
           </a:xfrm>
           <a:prstGeom prst="rect">
             <a:avLst/>
@@ -9354,17 +8644,97 @@
           <a:p>
             <a:r>
               <a:rPr lang="fr-FR" dirty="0"/>
-              <a:t>Shunt de fonctionnement</a:t>
-            </a:r>
-          </a:p>
-        </p:txBody>
-      </p:sp>
-      <p:sp>
-        <p:nvSpPr>
-          <p:cNvPr id="139" name="ZoneTexte 138">
-            <a:extLst>
-              <a:ext uri="{FF2B5EF4-FFF2-40B4-BE49-F238E27FC236}">
-                <a16:creationId xmlns:a16="http://schemas.microsoft.com/office/drawing/2014/main" id="{EC6F331D-3DAB-409B-B396-E6FF893B5FA2}"/>
+              <a:t>Shunt de charge</a:t>
+            </a:r>
+          </a:p>
+        </p:txBody>
+      </p:sp>
+      <p:grpSp>
+        <p:nvGrpSpPr>
+          <p:cNvPr id="80" name="Groupe 79">
+            <a:extLst>
+              <a:ext uri="{FF2B5EF4-FFF2-40B4-BE49-F238E27FC236}">
+                <a16:creationId xmlns:a16="http://schemas.microsoft.com/office/drawing/2014/main" id="{413239AA-3CE5-42B4-91BE-7CB8BDFA616C}"/>
+              </a:ext>
+            </a:extLst>
+          </p:cNvPr>
+          <p:cNvGrpSpPr/>
+          <p:nvPr/>
+        </p:nvGrpSpPr>
+        <p:grpSpPr>
+          <a:xfrm>
+            <a:off x="366386" y="6033827"/>
+            <a:ext cx="3258793" cy="691807"/>
+            <a:chOff x="7181376" y="5852875"/>
+            <a:chExt cx="3258793" cy="691807"/>
+          </a:xfrm>
+        </p:grpSpPr>
+        <p:pic>
+          <p:nvPicPr>
+            <p:cNvPr id="81" name="Image 80">
+              <a:extLst>
+                <a:ext uri="{FF2B5EF4-FFF2-40B4-BE49-F238E27FC236}">
+                  <a16:creationId xmlns:a16="http://schemas.microsoft.com/office/drawing/2014/main" id="{E2AE4576-937C-49B7-A275-FCEDC4B562BA}"/>
+                </a:ext>
+              </a:extLst>
+            </p:cNvPr>
+            <p:cNvPicPr>
+              <a:picLocks noChangeAspect="1"/>
+            </p:cNvPicPr>
+            <p:nvPr/>
+          </p:nvPicPr>
+          <p:blipFill>
+            <a:blip r:embed="rId11"/>
+            <a:stretch>
+              <a:fillRect/>
+            </a:stretch>
+          </p:blipFill>
+          <p:spPr>
+            <a:xfrm>
+              <a:off x="9344808" y="6082013"/>
+              <a:ext cx="1095361" cy="233529"/>
+            </a:xfrm>
+            <a:prstGeom prst="rect">
+              <a:avLst/>
+            </a:prstGeom>
+          </p:spPr>
+        </p:pic>
+        <p:pic>
+          <p:nvPicPr>
+            <p:cNvPr id="82" name="Image 81">
+              <a:extLst>
+                <a:ext uri="{FF2B5EF4-FFF2-40B4-BE49-F238E27FC236}">
+                  <a16:creationId xmlns:a16="http://schemas.microsoft.com/office/drawing/2014/main" id="{FC51D261-CC6D-4334-83DD-8C5A31677EC3}"/>
+                </a:ext>
+              </a:extLst>
+            </p:cNvPr>
+            <p:cNvPicPr>
+              <a:picLocks noChangeAspect="1"/>
+            </p:cNvPicPr>
+            <p:nvPr/>
+          </p:nvPicPr>
+          <p:blipFill rotWithShape="1">
+            <a:blip r:embed="rId10"/>
+            <a:srcRect l="19579" t="43091" r="36315" b="43004"/>
+            <a:stretch/>
+          </p:blipFill>
+          <p:spPr>
+            <a:xfrm>
+              <a:off x="7181376" y="5852875"/>
+              <a:ext cx="2197653" cy="691807"/>
+            </a:xfrm>
+            <a:prstGeom prst="rect">
+              <a:avLst/>
+            </a:prstGeom>
+          </p:spPr>
+        </p:pic>
+      </p:grpSp>
+      <p:sp>
+        <p:nvSpPr>
+          <p:cNvPr id="2" name="ZoneTexte 1">
+            <a:extLst>
+              <a:ext uri="{FF2B5EF4-FFF2-40B4-BE49-F238E27FC236}">
+                <a16:creationId xmlns:a16="http://schemas.microsoft.com/office/drawing/2014/main" id="{C36B5C7E-CC9D-441C-9B11-08F3A95D7BBB}"/>
               </a:ext>
             </a:extLst>
           </p:cNvPr>
@@ -9373,8 +8743,8 @@
         </p:nvSpPr>
         <p:spPr>
           <a:xfrm>
-            <a:off x="1534933" y="6497218"/>
-            <a:ext cx="1703543" cy="369332"/>
+            <a:off x="8554297" y="5662656"/>
+            <a:ext cx="2466573" cy="523220"/>
           </a:xfrm>
           <a:prstGeom prst="rect">
             <a:avLst/>
@@ -9388,405 +8758,14 @@
           <a:lstStyle/>
           <a:p>
             <a:r>
-              <a:rPr lang="fr-FR" dirty="0"/>
-              <a:t>Shunt de charge</a:t>
-            </a:r>
-          </a:p>
-        </p:txBody>
-      </p:sp>
-      <p:sp>
-        <p:nvSpPr>
-          <p:cNvPr id="140" name="ZoneTexte 139">
-            <a:extLst>
-              <a:ext uri="{FF2B5EF4-FFF2-40B4-BE49-F238E27FC236}">
-                <a16:creationId xmlns:a16="http://schemas.microsoft.com/office/drawing/2014/main" id="{01E31935-454C-4AB3-B543-4BA8CBBCBC0E}"/>
-              </a:ext>
-            </a:extLst>
-          </p:cNvPr>
-          <p:cNvSpPr txBox="1"/>
-          <p:nvPr/>
-        </p:nvSpPr>
-        <p:spPr>
-          <a:xfrm>
-            <a:off x="3187888" y="5026365"/>
-            <a:ext cx="663964" cy="261610"/>
-          </a:xfrm>
-          <a:prstGeom prst="rect">
-            <a:avLst/>
-          </a:prstGeom>
-          <a:noFill/>
-        </p:spPr>
-        <p:txBody>
-          <a:bodyPr wrap="none" rtlCol="0">
-            <a:spAutoFit/>
-          </a:bodyPr>
-          <a:lstStyle/>
-          <a:p>
-            <a:r>
-              <a:rPr lang="fr-FR" sz="1100" dirty="0"/>
-              <a:t>Soudure</a:t>
-            </a:r>
-          </a:p>
-        </p:txBody>
-      </p:sp>
-      <p:sp>
-        <p:nvSpPr>
-          <p:cNvPr id="141" name="ZoneTexte 140">
-            <a:extLst>
-              <a:ext uri="{FF2B5EF4-FFF2-40B4-BE49-F238E27FC236}">
-                <a16:creationId xmlns:a16="http://schemas.microsoft.com/office/drawing/2014/main" id="{DD77C92C-0E19-4935-BFE9-0404748AF17D}"/>
-              </a:ext>
-            </a:extLst>
-          </p:cNvPr>
-          <p:cNvSpPr txBox="1"/>
-          <p:nvPr/>
-        </p:nvSpPr>
-        <p:spPr>
-          <a:xfrm>
-            <a:off x="3187888" y="5323060"/>
-            <a:ext cx="663964" cy="261610"/>
-          </a:xfrm>
-          <a:prstGeom prst="rect">
-            <a:avLst/>
-          </a:prstGeom>
-          <a:noFill/>
-        </p:spPr>
-        <p:txBody>
-          <a:bodyPr wrap="none" rtlCol="0">
-            <a:spAutoFit/>
-          </a:bodyPr>
-          <a:lstStyle/>
-          <a:p>
-            <a:r>
-              <a:rPr lang="fr-FR" sz="1100" dirty="0"/>
-              <a:t>Soudure</a:t>
-            </a:r>
-          </a:p>
-        </p:txBody>
-      </p:sp>
-      <p:sp>
-        <p:nvSpPr>
-          <p:cNvPr id="142" name="ZoneTexte 141">
-            <a:extLst>
-              <a:ext uri="{FF2B5EF4-FFF2-40B4-BE49-F238E27FC236}">
-                <a16:creationId xmlns:a16="http://schemas.microsoft.com/office/drawing/2014/main" id="{D52C41F6-5A5E-43D4-9627-D37379F2E63F}"/>
-              </a:ext>
-            </a:extLst>
-          </p:cNvPr>
-          <p:cNvSpPr txBox="1"/>
-          <p:nvPr/>
-        </p:nvSpPr>
-        <p:spPr>
-          <a:xfrm>
-            <a:off x="3180927" y="6274047"/>
-            <a:ext cx="663964" cy="261610"/>
-          </a:xfrm>
-          <a:prstGeom prst="rect">
-            <a:avLst/>
-          </a:prstGeom>
-          <a:noFill/>
-        </p:spPr>
-        <p:txBody>
-          <a:bodyPr wrap="none" rtlCol="0">
-            <a:spAutoFit/>
-          </a:bodyPr>
-          <a:lstStyle/>
-          <a:p>
-            <a:r>
-              <a:rPr lang="fr-FR" sz="1100" dirty="0"/>
-              <a:t>Soudure</a:t>
-            </a:r>
-          </a:p>
-        </p:txBody>
-      </p:sp>
-      <p:sp>
-        <p:nvSpPr>
-          <p:cNvPr id="143" name="ZoneTexte 142">
-            <a:extLst>
-              <a:ext uri="{FF2B5EF4-FFF2-40B4-BE49-F238E27FC236}">
-                <a16:creationId xmlns:a16="http://schemas.microsoft.com/office/drawing/2014/main" id="{6341568B-7ACA-4DB1-831C-D7B4AA7B9635}"/>
-              </a:ext>
-            </a:extLst>
-          </p:cNvPr>
-          <p:cNvSpPr txBox="1"/>
-          <p:nvPr/>
-        </p:nvSpPr>
-        <p:spPr>
-          <a:xfrm>
-            <a:off x="6551554" y="4941779"/>
-            <a:ext cx="1167307" cy="261610"/>
-          </a:xfrm>
-          <a:prstGeom prst="rect">
-            <a:avLst/>
-          </a:prstGeom>
-          <a:noFill/>
-        </p:spPr>
-        <p:txBody>
-          <a:bodyPr wrap="none" rtlCol="0">
-            <a:spAutoFit/>
-          </a:bodyPr>
-          <a:lstStyle/>
-          <a:p>
-            <a:r>
-              <a:rPr lang="fr-FR" sz="1100" dirty="0" err="1"/>
-              <a:t>Wago</a:t>
-            </a:r>
-            <a:r>
-              <a:rPr lang="fr-FR" sz="1100" dirty="0"/>
-              <a:t> ou domino</a:t>
-            </a:r>
-          </a:p>
-        </p:txBody>
-      </p:sp>
-      <p:sp>
-        <p:nvSpPr>
-          <p:cNvPr id="144" name="ZoneTexte 143">
-            <a:extLst>
-              <a:ext uri="{FF2B5EF4-FFF2-40B4-BE49-F238E27FC236}">
-                <a16:creationId xmlns:a16="http://schemas.microsoft.com/office/drawing/2014/main" id="{57E793D7-1A90-4888-B5B1-7834A16E5FB1}"/>
-              </a:ext>
-            </a:extLst>
-          </p:cNvPr>
-          <p:cNvSpPr txBox="1"/>
-          <p:nvPr/>
-        </p:nvSpPr>
-        <p:spPr>
-          <a:xfrm>
-            <a:off x="1925572" y="2690719"/>
-            <a:ext cx="787395" cy="369332"/>
-          </a:xfrm>
-          <a:prstGeom prst="rect">
-            <a:avLst/>
-          </a:prstGeom>
-          <a:noFill/>
-        </p:spPr>
-        <p:txBody>
-          <a:bodyPr wrap="none" rtlCol="0">
-            <a:spAutoFit/>
-          </a:bodyPr>
-          <a:lstStyle/>
-          <a:p>
-            <a:r>
-              <a:rPr lang="fr-FR" dirty="0"/>
-              <a:t>Masse</a:t>
-            </a:r>
-          </a:p>
-        </p:txBody>
-      </p:sp>
-      <p:sp>
-        <p:nvSpPr>
-          <p:cNvPr id="145" name="ZoneTexte 144">
-            <a:extLst>
-              <a:ext uri="{FF2B5EF4-FFF2-40B4-BE49-F238E27FC236}">
-                <a16:creationId xmlns:a16="http://schemas.microsoft.com/office/drawing/2014/main" id="{69BA6FEE-5ED3-47F4-B047-6DF5A1541194}"/>
-              </a:ext>
-            </a:extLst>
-          </p:cNvPr>
-          <p:cNvSpPr txBox="1"/>
-          <p:nvPr/>
-        </p:nvSpPr>
-        <p:spPr>
-          <a:xfrm>
-            <a:off x="2030456" y="3259996"/>
-            <a:ext cx="550151" cy="369332"/>
-          </a:xfrm>
-          <a:prstGeom prst="rect">
-            <a:avLst/>
-          </a:prstGeom>
-          <a:noFill/>
-        </p:spPr>
-        <p:txBody>
-          <a:bodyPr wrap="none" rtlCol="0">
-            <a:spAutoFit/>
-          </a:bodyPr>
-          <a:lstStyle/>
-          <a:p>
-            <a:r>
-              <a:rPr lang="fr-FR" dirty="0"/>
-              <a:t>12V</a:t>
-            </a:r>
-          </a:p>
-        </p:txBody>
-      </p:sp>
-      <p:sp>
-        <p:nvSpPr>
-          <p:cNvPr id="146" name="ZoneTexte 145">
-            <a:extLst>
-              <a:ext uri="{FF2B5EF4-FFF2-40B4-BE49-F238E27FC236}">
-                <a16:creationId xmlns:a16="http://schemas.microsoft.com/office/drawing/2014/main" id="{2F98B45B-1449-4B17-9836-7E24EAAA9F2D}"/>
-              </a:ext>
-            </a:extLst>
-          </p:cNvPr>
-          <p:cNvSpPr txBox="1"/>
-          <p:nvPr/>
-        </p:nvSpPr>
-        <p:spPr>
-          <a:xfrm>
-            <a:off x="10765844" y="1125053"/>
-            <a:ext cx="873957" cy="577081"/>
-          </a:xfrm>
-          <a:prstGeom prst="rect">
-            <a:avLst/>
-          </a:prstGeom>
-          <a:noFill/>
-        </p:spPr>
-        <p:txBody>
-          <a:bodyPr wrap="none" rtlCol="0">
-            <a:spAutoFit/>
-          </a:bodyPr>
-          <a:lstStyle/>
-          <a:p>
-            <a:r>
-              <a:rPr lang="fr-FR" sz="1050" dirty="0"/>
-              <a:t>5V</a:t>
-            </a:r>
-          </a:p>
-          <a:p>
-            <a:r>
-              <a:rPr lang="fr-FR" sz="1050" dirty="0"/>
-              <a:t>Masse</a:t>
-            </a:r>
-          </a:p>
-          <a:p>
-            <a:r>
-              <a:rPr lang="fr-FR" sz="1050" dirty="0"/>
-              <a:t>Nappe vidéo</a:t>
-            </a:r>
-          </a:p>
-        </p:txBody>
-      </p:sp>
-      <p:sp>
-        <p:nvSpPr>
-          <p:cNvPr id="148" name="ZoneTexte 147">
-            <a:extLst>
-              <a:ext uri="{FF2B5EF4-FFF2-40B4-BE49-F238E27FC236}">
-                <a16:creationId xmlns:a16="http://schemas.microsoft.com/office/drawing/2014/main" id="{A4139612-895F-4F34-9220-B9D8C3C0C963}"/>
-              </a:ext>
-            </a:extLst>
-          </p:cNvPr>
-          <p:cNvSpPr txBox="1"/>
-          <p:nvPr/>
-        </p:nvSpPr>
-        <p:spPr>
-          <a:xfrm>
-            <a:off x="11481587" y="2137289"/>
-            <a:ext cx="537327" cy="577081"/>
-          </a:xfrm>
-          <a:prstGeom prst="rect">
-            <a:avLst/>
-          </a:prstGeom>
-          <a:noFill/>
-        </p:spPr>
-        <p:txBody>
-          <a:bodyPr wrap="none" rtlCol="0">
-            <a:spAutoFit/>
-          </a:bodyPr>
-          <a:lstStyle/>
-          <a:p>
-            <a:r>
-              <a:rPr lang="fr-FR" sz="1050" dirty="0"/>
-              <a:t>5V</a:t>
-            </a:r>
-          </a:p>
-          <a:p>
-            <a:r>
-              <a:rPr lang="fr-FR" sz="1050" dirty="0"/>
-              <a:t>Masse</a:t>
-            </a:r>
-          </a:p>
-          <a:p>
-            <a:r>
-              <a:rPr lang="fr-FR" sz="1050" dirty="0"/>
-              <a:t>12V</a:t>
-            </a:r>
-          </a:p>
-        </p:txBody>
-      </p:sp>
-      <p:sp>
-        <p:nvSpPr>
-          <p:cNvPr id="149" name="ZoneTexte 148">
-            <a:extLst>
-              <a:ext uri="{FF2B5EF4-FFF2-40B4-BE49-F238E27FC236}">
-                <a16:creationId xmlns:a16="http://schemas.microsoft.com/office/drawing/2014/main" id="{FAD4E591-40BE-43DD-8835-82A0B18391E1}"/>
-              </a:ext>
-            </a:extLst>
-          </p:cNvPr>
-          <p:cNvSpPr txBox="1"/>
-          <p:nvPr/>
-        </p:nvSpPr>
-        <p:spPr>
-          <a:xfrm>
-            <a:off x="11428515" y="3727456"/>
-            <a:ext cx="399468" cy="738664"/>
-          </a:xfrm>
-          <a:prstGeom prst="rect">
-            <a:avLst/>
-          </a:prstGeom>
-          <a:noFill/>
-        </p:spPr>
-        <p:txBody>
-          <a:bodyPr wrap="none" rtlCol="0">
-            <a:spAutoFit/>
-          </a:bodyPr>
-          <a:lstStyle/>
-          <a:p>
-            <a:r>
-              <a:rPr lang="fr-FR" sz="1050" dirty="0"/>
-              <a:t>5V</a:t>
-            </a:r>
-          </a:p>
-          <a:p>
-            <a:r>
-              <a:rPr lang="fr-FR" sz="1050" dirty="0"/>
-              <a:t>5V</a:t>
-            </a:r>
-          </a:p>
-          <a:p>
-            <a:r>
-              <a:rPr lang="fr-FR" sz="1050" dirty="0"/>
-              <a:t>12V</a:t>
-            </a:r>
-          </a:p>
-          <a:p>
-            <a:r>
-              <a:rPr lang="fr-FR" sz="1050" dirty="0"/>
-              <a:t>12V</a:t>
-            </a:r>
-          </a:p>
-        </p:txBody>
-      </p:sp>
-      <p:sp>
-        <p:nvSpPr>
-          <p:cNvPr id="75" name="ZoneTexte 74">
-            <a:extLst>
-              <a:ext uri="{FF2B5EF4-FFF2-40B4-BE49-F238E27FC236}">
-                <a16:creationId xmlns:a16="http://schemas.microsoft.com/office/drawing/2014/main" id="{C241997E-4052-4DDC-98CC-6425C592FAFD}"/>
-              </a:ext>
-            </a:extLst>
-          </p:cNvPr>
-          <p:cNvSpPr txBox="1"/>
-          <p:nvPr/>
-        </p:nvSpPr>
-        <p:spPr>
-          <a:xfrm>
-            <a:off x="642813" y="1904230"/>
-            <a:ext cx="930191" cy="369332"/>
-          </a:xfrm>
-          <a:prstGeom prst="rect">
-            <a:avLst/>
-          </a:prstGeom>
-          <a:noFill/>
-        </p:spPr>
-        <p:txBody>
-          <a:bodyPr wrap="none" rtlCol="0">
-            <a:spAutoFit/>
-          </a:bodyPr>
-          <a:lstStyle/>
-          <a:p>
-            <a:r>
-              <a:rPr lang="fr-FR" dirty="0"/>
-              <a:t>Batterie</a:t>
-            </a:r>
+              <a:rPr lang="fr-FR" sz="2800" dirty="0"/>
+              <a:t>KOSMOS </a:t>
+            </a:r>
+            <a:r>
+              <a:rPr lang="fr-FR" sz="2800" dirty="0" err="1"/>
+              <a:t>stereo</a:t>
+            </a:r>
+            <a:endParaRPr lang="fr-FR" sz="2800" dirty="0"/>
           </a:p>
         </p:txBody>
       </p:sp>
